--- a/PaperImages/YOLOv11-RGBT-paper-midfusion.pptx
+++ b/PaperImages/YOLOv11-RGBT-paper-midfusion.pptx
@@ -243,7 +243,7 @@
           <a:p>
             <a:fld id="{7645B91A-42A5-44E2-8836-76A2691BD18D}" type="datetimeFigureOut">
               <a:rPr lang="zh-CN" altLang="en-US" smtClean="0"/>
-              <a:t>2025/6/10</a:t>
+              <a:t>2025/6/11</a:t>
             </a:fld>
             <a:endParaRPr lang="zh-CN" altLang="en-US"/>
           </a:p>
@@ -413,7 +413,7 @@
           <a:p>
             <a:fld id="{7645B91A-42A5-44E2-8836-76A2691BD18D}" type="datetimeFigureOut">
               <a:rPr lang="zh-CN" altLang="en-US" smtClean="0"/>
-              <a:t>2025/6/10</a:t>
+              <a:t>2025/6/11</a:t>
             </a:fld>
             <a:endParaRPr lang="zh-CN" altLang="en-US"/>
           </a:p>
@@ -593,7 +593,7 @@
           <a:p>
             <a:fld id="{7645B91A-42A5-44E2-8836-76A2691BD18D}" type="datetimeFigureOut">
               <a:rPr lang="zh-CN" altLang="en-US" smtClean="0"/>
-              <a:t>2025/6/10</a:t>
+              <a:t>2025/6/11</a:t>
             </a:fld>
             <a:endParaRPr lang="zh-CN" altLang="en-US"/>
           </a:p>
@@ -763,7 +763,7 @@
           <a:p>
             <a:fld id="{7645B91A-42A5-44E2-8836-76A2691BD18D}" type="datetimeFigureOut">
               <a:rPr lang="zh-CN" altLang="en-US" smtClean="0"/>
-              <a:t>2025/6/10</a:t>
+              <a:t>2025/6/11</a:t>
             </a:fld>
             <a:endParaRPr lang="zh-CN" altLang="en-US"/>
           </a:p>
@@ -1007,7 +1007,7 @@
           <a:p>
             <a:fld id="{7645B91A-42A5-44E2-8836-76A2691BD18D}" type="datetimeFigureOut">
               <a:rPr lang="zh-CN" altLang="en-US" smtClean="0"/>
-              <a:t>2025/6/10</a:t>
+              <a:t>2025/6/11</a:t>
             </a:fld>
             <a:endParaRPr lang="zh-CN" altLang="en-US"/>
           </a:p>
@@ -1239,7 +1239,7 @@
           <a:p>
             <a:fld id="{7645B91A-42A5-44E2-8836-76A2691BD18D}" type="datetimeFigureOut">
               <a:rPr lang="zh-CN" altLang="en-US" smtClean="0"/>
-              <a:t>2025/6/10</a:t>
+              <a:t>2025/6/11</a:t>
             </a:fld>
             <a:endParaRPr lang="zh-CN" altLang="en-US"/>
           </a:p>
@@ -1606,7 +1606,7 @@
           <a:p>
             <a:fld id="{7645B91A-42A5-44E2-8836-76A2691BD18D}" type="datetimeFigureOut">
               <a:rPr lang="zh-CN" altLang="en-US" smtClean="0"/>
-              <a:t>2025/6/10</a:t>
+              <a:t>2025/6/11</a:t>
             </a:fld>
             <a:endParaRPr lang="zh-CN" altLang="en-US"/>
           </a:p>
@@ -1724,7 +1724,7 @@
           <a:p>
             <a:fld id="{7645B91A-42A5-44E2-8836-76A2691BD18D}" type="datetimeFigureOut">
               <a:rPr lang="zh-CN" altLang="en-US" smtClean="0"/>
-              <a:t>2025/6/10</a:t>
+              <a:t>2025/6/11</a:t>
             </a:fld>
             <a:endParaRPr lang="zh-CN" altLang="en-US"/>
           </a:p>
@@ -1819,7 +1819,7 @@
           <a:p>
             <a:fld id="{7645B91A-42A5-44E2-8836-76A2691BD18D}" type="datetimeFigureOut">
               <a:rPr lang="zh-CN" altLang="en-US" smtClean="0"/>
-              <a:t>2025/6/10</a:t>
+              <a:t>2025/6/11</a:t>
             </a:fld>
             <a:endParaRPr lang="zh-CN" altLang="en-US"/>
           </a:p>
@@ -2096,7 +2096,7 @@
           <a:p>
             <a:fld id="{7645B91A-42A5-44E2-8836-76A2691BD18D}" type="datetimeFigureOut">
               <a:rPr lang="zh-CN" altLang="en-US" smtClean="0"/>
-              <a:t>2025/6/10</a:t>
+              <a:t>2025/6/11</a:t>
             </a:fld>
             <a:endParaRPr lang="zh-CN" altLang="en-US"/>
           </a:p>
@@ -2353,7 +2353,7 @@
           <a:p>
             <a:fld id="{7645B91A-42A5-44E2-8836-76A2691BD18D}" type="datetimeFigureOut">
               <a:rPr lang="zh-CN" altLang="en-US" smtClean="0"/>
-              <a:t>2025/6/10</a:t>
+              <a:t>2025/6/11</a:t>
             </a:fld>
             <a:endParaRPr lang="zh-CN" altLang="en-US"/>
           </a:p>
@@ -2566,7 +2566,7 @@
           <a:p>
             <a:fld id="{7645B91A-42A5-44E2-8836-76A2691BD18D}" type="datetimeFigureOut">
               <a:rPr lang="zh-CN" altLang="en-US" smtClean="0"/>
-              <a:t>2025/6/10</a:t>
+              <a:t>2025/6/11</a:t>
             </a:fld>
             <a:endParaRPr lang="zh-CN" altLang="en-US"/>
           </a:p>
@@ -3027,8 +3027,8 @@
         </p:nvSpPr>
         <p:spPr>
           <a:xfrm>
-            <a:off x="2718596" y="3459409"/>
-            <a:ext cx="9858377" cy="5806439"/>
+            <a:off x="2718596" y="3492500"/>
+            <a:ext cx="9858377" cy="5773348"/>
           </a:xfrm>
           <a:prstGeom prst="roundRect">
             <a:avLst>
@@ -11105,13 +11105,14 @@
           <p:cNvCxnSpPr>
             <a:cxnSpLocks/>
             <a:stCxn id="817" idx="3"/>
+            <a:endCxn id="14" idx="1"/>
           </p:cNvCxnSpPr>
           <p:nvPr/>
         </p:nvCxnSpPr>
         <p:spPr>
           <a:xfrm flipV="1">
-            <a:off x="5058520" y="6668129"/>
-            <a:ext cx="535373" cy="1182"/>
+            <a:off x="5058520" y="6666197"/>
+            <a:ext cx="422524" cy="3114"/>
           </a:xfrm>
           <a:prstGeom prst="straightConnector1">
             <a:avLst/>
@@ -11216,8 +11217,8 @@
         </p:nvSpPr>
         <p:spPr>
           <a:xfrm>
-            <a:off x="7304085" y="3573033"/>
-            <a:ext cx="5183233" cy="2252717"/>
+            <a:off x="7304085" y="3594503"/>
+            <a:ext cx="5183233" cy="2231248"/>
           </a:xfrm>
           <a:prstGeom prst="roundRect">
             <a:avLst>
@@ -11271,7 +11272,7 @@
         </p:nvGrpSpPr>
         <p:grpSpPr>
           <a:xfrm>
-            <a:off x="10273829" y="3664985"/>
+            <a:off x="10273829" y="3753885"/>
             <a:ext cx="2069820" cy="119514"/>
             <a:chOff x="9416744" y="3504815"/>
             <a:chExt cx="2731184" cy="119514"/>
@@ -12807,7 +12808,7 @@
         </p:nvSpPr>
         <p:spPr>
           <a:xfrm>
-            <a:off x="11424377" y="3933856"/>
+            <a:off x="11424377" y="4022756"/>
             <a:ext cx="1051220" cy="230832"/>
           </a:xfrm>
           <a:prstGeom prst="rect">
@@ -13980,7 +13981,7 @@
         </p:nvCxnSpPr>
         <p:spPr>
           <a:xfrm>
-            <a:off x="7357131" y="4178562"/>
+            <a:off x="7357131" y="4267462"/>
             <a:ext cx="5104787" cy="0"/>
           </a:xfrm>
           <a:prstGeom prst="line">
@@ -14022,8 +14023,8 @@
         </p:nvSpPr>
         <p:spPr>
           <a:xfrm>
-            <a:off x="10865428" y="5428496"/>
-            <a:ext cx="2012733" cy="247986"/>
+            <a:off x="10865429" y="5428496"/>
+            <a:ext cx="1573218" cy="247986"/>
           </a:xfrm>
           <a:prstGeom prst="rect">
             <a:avLst/>
@@ -14141,7 +14142,7 @@
         </p:nvSpPr>
         <p:spPr>
           <a:xfrm>
-            <a:off x="9015096" y="3672788"/>
+            <a:off x="9001746" y="3663762"/>
             <a:ext cx="808675" cy="113950"/>
           </a:xfrm>
           <a:prstGeom prst="rect">
@@ -14226,7 +14227,7 @@
         </p:nvSpPr>
         <p:spPr>
           <a:xfrm>
-            <a:off x="7651606" y="3674309"/>
+            <a:off x="7638256" y="3665283"/>
             <a:ext cx="526857" cy="113950"/>
           </a:xfrm>
           <a:prstGeom prst="rect">
@@ -14294,7 +14295,7 @@
         </p:nvSpPr>
         <p:spPr>
           <a:xfrm>
-            <a:off x="7651606" y="3874939"/>
+            <a:off x="7638256" y="3865913"/>
             <a:ext cx="526857" cy="113950"/>
           </a:xfrm>
           <a:prstGeom prst="rect">
@@ -14352,7 +14353,7 @@
         </p:nvSpPr>
         <p:spPr>
           <a:xfrm>
-            <a:off x="8310337" y="3674309"/>
+            <a:off x="8296987" y="3665283"/>
             <a:ext cx="539185" cy="113950"/>
           </a:xfrm>
           <a:prstGeom prst="rect">
@@ -14420,7 +14421,7 @@
         </p:nvSpPr>
         <p:spPr>
           <a:xfrm>
-            <a:off x="8310337" y="3874939"/>
+            <a:off x="8296987" y="3865913"/>
             <a:ext cx="539185" cy="113950"/>
           </a:xfrm>
           <a:prstGeom prst="rect">
@@ -14454,6 +14455,16 @@
           <a:lstStyle/>
           <a:p>
             <a:pPr algn="ctr"/>
+            <a:r>
+              <a:rPr lang="en-US" altLang="zh-CN" sz="800" dirty="0">
+                <a:solidFill>
+                  <a:schemeClr val="tx1"/>
+                </a:solidFill>
+                <a:latin typeface="Arial" panose="020B0604020202020204" pitchFamily="34" charset="0"/>
+                <a:cs typeface="Arial" panose="020B0604020202020204" pitchFamily="34" charset="0"/>
+              </a:rPr>
+              <a:t>Conv</a:t>
+            </a:r>
             <a:endParaRPr lang="zh-CN" altLang="en-US" sz="800" dirty="0">
               <a:solidFill>
                 <a:schemeClr val="tx1"/>
@@ -14478,7 +14489,7 @@
         </p:nvSpPr>
         <p:spPr>
           <a:xfrm>
-            <a:off x="9015096" y="3873318"/>
+            <a:off x="9001746" y="3864292"/>
             <a:ext cx="808675" cy="113950"/>
           </a:xfrm>
           <a:prstGeom prst="rect">
@@ -14565,7 +14576,7 @@
         </p:nvCxnSpPr>
         <p:spPr>
           <a:xfrm flipV="1">
-            <a:off x="7430895" y="3735646"/>
+            <a:off x="7417545" y="3726620"/>
             <a:ext cx="218332" cy="89070"/>
           </a:xfrm>
           <a:prstGeom prst="bentConnector3">
@@ -14610,7 +14621,7 @@
         </p:nvCxnSpPr>
         <p:spPr>
           <a:xfrm>
-            <a:off x="7429710" y="3828988"/>
+            <a:off x="7416360" y="3819962"/>
             <a:ext cx="221896" cy="102926"/>
           </a:xfrm>
           <a:prstGeom prst="bentConnector3">
@@ -14656,7 +14667,7 @@
         </p:nvCxnSpPr>
         <p:spPr>
           <a:xfrm>
-            <a:off x="8178463" y="3731284"/>
+            <a:off x="8165113" y="3722258"/>
             <a:ext cx="131874" cy="0"/>
           </a:xfrm>
           <a:prstGeom prst="straightConnector1">
@@ -14695,15 +14706,15 @@
           </p:cNvPr>
           <p:cNvCxnSpPr>
             <a:cxnSpLocks/>
-            <a:stCxn id="110" idx="3"/>
-            <a:endCxn id="123" idx="1"/>
+            <a:stCxn id="954" idx="3"/>
+            <a:endCxn id="742" idx="1"/>
           </p:cNvCxnSpPr>
           <p:nvPr/>
         </p:nvCxnSpPr>
         <p:spPr>
-          <a:xfrm>
-            <a:off x="8178463" y="3931914"/>
-            <a:ext cx="131874" cy="0"/>
+          <a:xfrm flipV="1">
+            <a:off x="8165116" y="4158495"/>
+            <a:ext cx="130100" cy="1221"/>
           </a:xfrm>
           <a:prstGeom prst="straightConnector1">
             <a:avLst/>
@@ -14747,7 +14758,7 @@
         </p:nvCxnSpPr>
         <p:spPr>
           <a:xfrm>
-            <a:off x="9823771" y="3729763"/>
+            <a:off x="9810421" y="3720737"/>
             <a:ext cx="259557" cy="108264"/>
           </a:xfrm>
           <a:prstGeom prst="bentConnector3">
@@ -14794,7 +14805,7 @@
         </p:nvCxnSpPr>
         <p:spPr>
           <a:xfrm flipV="1">
-            <a:off x="9823771" y="3835646"/>
+            <a:off x="9810421" y="3826620"/>
             <a:ext cx="257176" cy="94647"/>
           </a:xfrm>
           <a:prstGeom prst="bentConnector3">
@@ -14842,7 +14853,7 @@
         </p:nvCxnSpPr>
         <p:spPr>
           <a:xfrm flipV="1">
-            <a:off x="8849522" y="3729763"/>
+            <a:off x="8836172" y="3720737"/>
             <a:ext cx="165574" cy="1521"/>
           </a:xfrm>
           <a:prstGeom prst="straightConnector1">
@@ -14888,7 +14899,7 @@
         </p:nvCxnSpPr>
         <p:spPr>
           <a:xfrm flipV="1">
-            <a:off x="8849522" y="3930293"/>
+            <a:off x="8836172" y="3921267"/>
             <a:ext cx="165574" cy="1621"/>
           </a:xfrm>
           <a:prstGeom prst="straightConnector1">
@@ -14930,8 +14941,8 @@
         </p:nvSpPr>
         <p:spPr>
           <a:xfrm>
-            <a:off x="8444810" y="3982276"/>
-            <a:ext cx="1697831" cy="230832"/>
+            <a:off x="8616450" y="3939455"/>
+            <a:ext cx="1697831" cy="369332"/>
           </a:xfrm>
           <a:prstGeom prst="rect">
             <a:avLst/>
@@ -14950,7 +14961,17 @@
                 <a:latin typeface="Arial" panose="020B0604020202020204" pitchFamily="34" charset="0"/>
                 <a:cs typeface="Arial" panose="020B0604020202020204" pitchFamily="34" charset="0"/>
               </a:rPr>
-              <a:t>Decoupled Head(DC Head)</a:t>
+              <a:t>Decoupled Head</a:t>
+            </a:r>
+          </a:p>
+          <a:p>
+            <a:pPr algn="ctr"/>
+            <a:r>
+              <a:rPr lang="en-US" altLang="zh-CN" sz="900" b="1" dirty="0">
+                <a:latin typeface="Arial" panose="020B0604020202020204" pitchFamily="34" charset="0"/>
+                <a:cs typeface="Arial" panose="020B0604020202020204" pitchFamily="34" charset="0"/>
+              </a:rPr>
+              <a:t>(DC Head)</a:t>
             </a:r>
             <a:endParaRPr lang="zh-CN" altLang="en-US" sz="900" b="1" dirty="0">
               <a:latin typeface="Arial" panose="020B0604020202020204" pitchFamily="34" charset="0"/>
@@ -14961,10 +14982,10 @@
       </p:sp>
       <p:sp>
         <p:nvSpPr>
-          <p:cNvPr id="746" name="矩形 745">
-            <a:extLst>
-              <a:ext uri="{FF2B5EF4-FFF2-40B4-BE49-F238E27FC236}">
-                <a16:creationId xmlns:a16="http://schemas.microsoft.com/office/drawing/2014/main" id="{3D88416D-C21E-31AF-B504-7DE0C97E3548}"/>
+          <p:cNvPr id="749" name="矩形 748">
+            <a:extLst>
+              <a:ext uri="{FF2B5EF4-FFF2-40B4-BE49-F238E27FC236}">
+                <a16:creationId xmlns:a16="http://schemas.microsoft.com/office/drawing/2014/main" id="{ACF29E28-6C6D-C3A1-AE79-D94940EF8D57}"/>
               </a:ext>
             </a:extLst>
           </p:cNvPr>
@@ -14973,7 +14994,7 @@
         </p:nvSpPr>
         <p:spPr>
           <a:xfrm>
-            <a:off x="8261437" y="3829773"/>
+            <a:off x="7583719" y="3820748"/>
             <a:ext cx="635316" cy="198011"/>
           </a:xfrm>
           <a:prstGeom prst="rect">
@@ -15025,12 +15046,1257 @@
           </a:p>
         </p:txBody>
       </p:sp>
-      <p:sp>
-        <p:nvSpPr>
-          <p:cNvPr id="749" name="矩形 748">
-            <a:extLst>
-              <a:ext uri="{FF2B5EF4-FFF2-40B4-BE49-F238E27FC236}">
-                <a16:creationId xmlns:a16="http://schemas.microsoft.com/office/drawing/2014/main" id="{ACF29E28-6C6D-C3A1-AE79-D94940EF8D57}"/>
+      <p:cxnSp>
+        <p:nvCxnSpPr>
+          <p:cNvPr id="760" name="直接箭头连接符 759">
+            <a:extLst>
+              <a:ext uri="{FF2B5EF4-FFF2-40B4-BE49-F238E27FC236}">
+                <a16:creationId xmlns:a16="http://schemas.microsoft.com/office/drawing/2014/main" id="{F0CC2306-2371-5A5F-CAA9-B45C83D2CA87}"/>
+              </a:ext>
+            </a:extLst>
+          </p:cNvPr>
+          <p:cNvCxnSpPr>
+            <a:cxnSpLocks/>
+            <a:stCxn id="815" idx="2"/>
+          </p:cNvCxnSpPr>
+          <p:nvPr/>
+        </p:nvCxnSpPr>
+        <p:spPr>
+          <a:xfrm>
+            <a:off x="4631964" y="7532833"/>
+            <a:ext cx="0" cy="214559"/>
+          </a:xfrm>
+          <a:prstGeom prst="straightConnector1">
+            <a:avLst/>
+          </a:prstGeom>
+          <a:noFill/>
+          <a:ln w="12700" cap="flat" cmpd="sng" algn="ctr">
+            <a:solidFill>
+              <a:srgbClr val="000000"/>
+            </a:solidFill>
+            <a:prstDash val="solid"/>
+            <a:miter lim="800000"/>
+            <a:tailEnd type="triangle"/>
+          </a:ln>
+          <a:effectLst/>
+        </p:spPr>
+      </p:cxnSp>
+      <p:cxnSp>
+        <p:nvCxnSpPr>
+          <p:cNvPr id="764" name="直接箭头连接符 763">
+            <a:extLst>
+              <a:ext uri="{FF2B5EF4-FFF2-40B4-BE49-F238E27FC236}">
+                <a16:creationId xmlns:a16="http://schemas.microsoft.com/office/drawing/2014/main" id="{DC01269E-B1EA-3D62-9F59-DC732441C2D8}"/>
+              </a:ext>
+            </a:extLst>
+          </p:cNvPr>
+          <p:cNvCxnSpPr>
+            <a:cxnSpLocks/>
+            <a:stCxn id="818" idx="2"/>
+          </p:cNvCxnSpPr>
+          <p:nvPr/>
+        </p:nvCxnSpPr>
+        <p:spPr>
+          <a:xfrm>
+            <a:off x="4630642" y="6790846"/>
+            <a:ext cx="867" cy="235397"/>
+          </a:xfrm>
+          <a:prstGeom prst="straightConnector1">
+            <a:avLst/>
+          </a:prstGeom>
+          <a:noFill/>
+          <a:ln w="12700" cap="flat" cmpd="sng" algn="ctr">
+            <a:solidFill>
+              <a:srgbClr val="000000"/>
+            </a:solidFill>
+            <a:prstDash val="solid"/>
+            <a:miter lim="800000"/>
+            <a:tailEnd type="triangle"/>
+          </a:ln>
+          <a:effectLst/>
+        </p:spPr>
+      </p:cxnSp>
+      <p:cxnSp>
+        <p:nvCxnSpPr>
+          <p:cNvPr id="98" name="直接箭头连接符 97">
+            <a:extLst>
+              <a:ext uri="{FF2B5EF4-FFF2-40B4-BE49-F238E27FC236}">
+                <a16:creationId xmlns:a16="http://schemas.microsoft.com/office/drawing/2014/main" id="{7457BAB1-DC1F-38CF-0996-02BF1AA91708}"/>
+              </a:ext>
+            </a:extLst>
+          </p:cNvPr>
+          <p:cNvCxnSpPr>
+            <a:cxnSpLocks/>
+            <a:stCxn id="15" idx="2"/>
+          </p:cNvCxnSpPr>
+          <p:nvPr/>
+        </p:nvCxnSpPr>
+        <p:spPr>
+          <a:xfrm flipH="1">
+            <a:off x="4620264" y="8893688"/>
+            <a:ext cx="1" cy="191820"/>
+          </a:xfrm>
+          <a:prstGeom prst="straightConnector1">
+            <a:avLst/>
+          </a:prstGeom>
+          <a:noFill/>
+          <a:ln w="12700" cap="flat" cmpd="sng" algn="ctr">
+            <a:solidFill>
+              <a:srgbClr val="000000"/>
+            </a:solidFill>
+            <a:prstDash val="solid"/>
+            <a:miter lim="800000"/>
+            <a:tailEnd type="triangle"/>
+          </a:ln>
+          <a:effectLst/>
+        </p:spPr>
+      </p:cxnSp>
+      <p:sp>
+        <p:nvSpPr>
+          <p:cNvPr id="107" name="文本框 106">
+            <a:extLst>
+              <a:ext uri="{FF2B5EF4-FFF2-40B4-BE49-F238E27FC236}">
+                <a16:creationId xmlns:a16="http://schemas.microsoft.com/office/drawing/2014/main" id="{0FC50338-C719-E632-AC5A-9C59E0597759}"/>
+              </a:ext>
+            </a:extLst>
+          </p:cNvPr>
+          <p:cNvSpPr txBox="1"/>
+          <p:nvPr/>
+        </p:nvSpPr>
+        <p:spPr>
+          <a:xfrm>
+            <a:off x="4223622" y="8901065"/>
+            <a:ext cx="382298" cy="261610"/>
+          </a:xfrm>
+          <a:prstGeom prst="rect">
+            <a:avLst/>
+          </a:prstGeom>
+          <a:noFill/>
+        </p:spPr>
+        <p:txBody>
+          <a:bodyPr wrap="square">
+            <a:spAutoFit/>
+          </a:bodyPr>
+          <a:lstStyle/>
+          <a:p>
+            <a:pPr algn="ctr"/>
+            <a:r>
+              <a:rPr lang="en-US" altLang="zh-CN" sz="1100" b="1" dirty="0">
+                <a:latin typeface="Arial" panose="020B0604020202020204" pitchFamily="34" charset="0"/>
+                <a:cs typeface="Arial" panose="020B0604020202020204" pitchFamily="34" charset="0"/>
+              </a:rPr>
+              <a:t>P5</a:t>
+            </a:r>
+            <a:endParaRPr lang="zh-CN" altLang="en-US" sz="1100" b="1" dirty="0">
+              <a:latin typeface="Arial" panose="020B0604020202020204" pitchFamily="34" charset="0"/>
+              <a:cs typeface="Arial" panose="020B0604020202020204" pitchFamily="34" charset="0"/>
+            </a:endParaRPr>
+          </a:p>
+        </p:txBody>
+      </p:sp>
+      <p:sp>
+        <p:nvSpPr>
+          <p:cNvPr id="796" name="文本框 795">
+            <a:extLst>
+              <a:ext uri="{FF2B5EF4-FFF2-40B4-BE49-F238E27FC236}">
+                <a16:creationId xmlns:a16="http://schemas.microsoft.com/office/drawing/2014/main" id="{E3D51335-92C1-F06D-A6E9-530E49AB52AA}"/>
+              </a:ext>
+            </a:extLst>
+          </p:cNvPr>
+          <p:cNvSpPr txBox="1"/>
+          <p:nvPr/>
+        </p:nvSpPr>
+        <p:spPr>
+          <a:xfrm>
+            <a:off x="4264566" y="7496161"/>
+            <a:ext cx="382298" cy="261610"/>
+          </a:xfrm>
+          <a:prstGeom prst="rect">
+            <a:avLst/>
+          </a:prstGeom>
+          <a:noFill/>
+        </p:spPr>
+        <p:txBody>
+          <a:bodyPr wrap="square">
+            <a:spAutoFit/>
+          </a:bodyPr>
+          <a:lstStyle/>
+          <a:p>
+            <a:pPr algn="ctr"/>
+            <a:r>
+              <a:rPr lang="en-US" altLang="zh-CN" sz="1100" b="1" dirty="0">
+                <a:latin typeface="Arial" panose="020B0604020202020204" pitchFamily="34" charset="0"/>
+                <a:cs typeface="Arial" panose="020B0604020202020204" pitchFamily="34" charset="0"/>
+              </a:rPr>
+              <a:t>P4</a:t>
+            </a:r>
+            <a:endParaRPr lang="zh-CN" altLang="en-US" sz="1100" b="1" dirty="0">
+              <a:latin typeface="Arial" panose="020B0604020202020204" pitchFamily="34" charset="0"/>
+              <a:cs typeface="Arial" panose="020B0604020202020204" pitchFamily="34" charset="0"/>
+            </a:endParaRPr>
+          </a:p>
+        </p:txBody>
+      </p:sp>
+      <p:sp>
+        <p:nvSpPr>
+          <p:cNvPr id="797" name="文本框 796">
+            <a:extLst>
+              <a:ext uri="{FF2B5EF4-FFF2-40B4-BE49-F238E27FC236}">
+                <a16:creationId xmlns:a16="http://schemas.microsoft.com/office/drawing/2014/main" id="{D9368E07-07B7-3439-A73F-BF290D4B12E9}"/>
+              </a:ext>
+            </a:extLst>
+          </p:cNvPr>
+          <p:cNvSpPr txBox="1"/>
+          <p:nvPr/>
+        </p:nvSpPr>
+        <p:spPr>
+          <a:xfrm>
+            <a:off x="4269419" y="6765486"/>
+            <a:ext cx="382298" cy="261610"/>
+          </a:xfrm>
+          <a:prstGeom prst="rect">
+            <a:avLst/>
+          </a:prstGeom>
+          <a:noFill/>
+        </p:spPr>
+        <p:txBody>
+          <a:bodyPr wrap="square">
+            <a:spAutoFit/>
+          </a:bodyPr>
+          <a:lstStyle/>
+          <a:p>
+            <a:pPr algn="ctr"/>
+            <a:r>
+              <a:rPr lang="en-US" altLang="zh-CN" sz="1100" b="1" dirty="0">
+                <a:latin typeface="Arial" panose="020B0604020202020204" pitchFamily="34" charset="0"/>
+                <a:cs typeface="Arial" panose="020B0604020202020204" pitchFamily="34" charset="0"/>
+              </a:rPr>
+              <a:t>P3</a:t>
+            </a:r>
+            <a:endParaRPr lang="zh-CN" altLang="en-US" sz="1100" b="1" dirty="0">
+              <a:latin typeface="Arial" panose="020B0604020202020204" pitchFamily="34" charset="0"/>
+              <a:cs typeface="Arial" panose="020B0604020202020204" pitchFamily="34" charset="0"/>
+            </a:endParaRPr>
+          </a:p>
+        </p:txBody>
+      </p:sp>
+      <p:sp>
+        <p:nvSpPr>
+          <p:cNvPr id="802" name="文本框 801">
+            <a:extLst>
+              <a:ext uri="{FF2B5EF4-FFF2-40B4-BE49-F238E27FC236}">
+                <a16:creationId xmlns:a16="http://schemas.microsoft.com/office/drawing/2014/main" id="{0745C3C2-F6E5-9CA4-5C6F-D4EC48441891}"/>
+              </a:ext>
+            </a:extLst>
+          </p:cNvPr>
+          <p:cNvSpPr txBox="1"/>
+          <p:nvPr/>
+        </p:nvSpPr>
+        <p:spPr>
+          <a:xfrm>
+            <a:off x="6838434" y="6533867"/>
+            <a:ext cx="382298" cy="261610"/>
+          </a:xfrm>
+          <a:prstGeom prst="rect">
+            <a:avLst/>
+          </a:prstGeom>
+          <a:noFill/>
+          <a:ln>
+            <a:solidFill>
+              <a:srgbClr val="4472C4"/>
+            </a:solidFill>
+          </a:ln>
+        </p:spPr>
+        <p:txBody>
+          <a:bodyPr wrap="square">
+            <a:spAutoFit/>
+          </a:bodyPr>
+          <a:lstStyle/>
+          <a:p>
+            <a:pPr algn="ctr"/>
+            <a:r>
+              <a:rPr lang="en-US" altLang="zh-CN" sz="1100" b="1" dirty="0">
+                <a:latin typeface="Arial" panose="020B0604020202020204" pitchFamily="34" charset="0"/>
+                <a:cs typeface="Arial" panose="020B0604020202020204" pitchFamily="34" charset="0"/>
+              </a:rPr>
+              <a:t>P3</a:t>
+            </a:r>
+            <a:endParaRPr lang="zh-CN" altLang="en-US" sz="1100" b="1" dirty="0">
+              <a:latin typeface="Arial" panose="020B0604020202020204" pitchFamily="34" charset="0"/>
+              <a:cs typeface="Arial" panose="020B0604020202020204" pitchFamily="34" charset="0"/>
+            </a:endParaRPr>
+          </a:p>
+        </p:txBody>
+      </p:sp>
+      <p:cxnSp>
+        <p:nvCxnSpPr>
+          <p:cNvPr id="810" name="直接箭头连接符 809">
+            <a:extLst>
+              <a:ext uri="{FF2B5EF4-FFF2-40B4-BE49-F238E27FC236}">
+                <a16:creationId xmlns:a16="http://schemas.microsoft.com/office/drawing/2014/main" id="{68827C16-5C86-7AE8-3A39-647114667358}"/>
+              </a:ext>
+            </a:extLst>
+          </p:cNvPr>
+          <p:cNvCxnSpPr>
+            <a:cxnSpLocks/>
+            <a:stCxn id="811" idx="3"/>
+          </p:cNvCxnSpPr>
+          <p:nvPr/>
+        </p:nvCxnSpPr>
+        <p:spPr>
+          <a:xfrm flipV="1">
+            <a:off x="7211517" y="8030624"/>
+            <a:ext cx="357895" cy="413"/>
+          </a:xfrm>
+          <a:prstGeom prst="straightConnector1">
+            <a:avLst/>
+          </a:prstGeom>
+          <a:noFill/>
+          <a:ln w="12700" cap="flat" cmpd="sng" algn="ctr">
+            <a:solidFill>
+              <a:srgbClr val="000000"/>
+            </a:solidFill>
+            <a:prstDash val="solid"/>
+            <a:miter lim="800000"/>
+            <a:tailEnd type="triangle"/>
+          </a:ln>
+          <a:effectLst/>
+        </p:spPr>
+      </p:cxnSp>
+      <p:sp>
+        <p:nvSpPr>
+          <p:cNvPr id="811" name="文本框 810">
+            <a:extLst>
+              <a:ext uri="{FF2B5EF4-FFF2-40B4-BE49-F238E27FC236}">
+                <a16:creationId xmlns:a16="http://schemas.microsoft.com/office/drawing/2014/main" id="{859F1CBF-9674-EB63-0294-93FE9DFE3181}"/>
+              </a:ext>
+            </a:extLst>
+          </p:cNvPr>
+          <p:cNvSpPr txBox="1"/>
+          <p:nvPr/>
+        </p:nvSpPr>
+        <p:spPr>
+          <a:xfrm>
+            <a:off x="6829219" y="7900232"/>
+            <a:ext cx="382298" cy="261610"/>
+          </a:xfrm>
+          <a:prstGeom prst="rect">
+            <a:avLst/>
+          </a:prstGeom>
+          <a:noFill/>
+          <a:ln>
+            <a:solidFill>
+              <a:srgbClr val="4472C4"/>
+            </a:solidFill>
+          </a:ln>
+        </p:spPr>
+        <p:txBody>
+          <a:bodyPr wrap="square">
+            <a:spAutoFit/>
+          </a:bodyPr>
+          <a:lstStyle/>
+          <a:p>
+            <a:pPr algn="ctr"/>
+            <a:r>
+              <a:rPr lang="en-US" altLang="zh-CN" sz="1100" b="1" dirty="0">
+                <a:latin typeface="Arial" panose="020B0604020202020204" pitchFamily="34" charset="0"/>
+                <a:cs typeface="Arial" panose="020B0604020202020204" pitchFamily="34" charset="0"/>
+              </a:rPr>
+              <a:t>P4</a:t>
+            </a:r>
+            <a:endParaRPr lang="zh-CN" altLang="en-US" sz="1100" b="1" dirty="0">
+              <a:latin typeface="Arial" panose="020B0604020202020204" pitchFamily="34" charset="0"/>
+              <a:cs typeface="Arial" panose="020B0604020202020204" pitchFamily="34" charset="0"/>
+            </a:endParaRPr>
+          </a:p>
+        </p:txBody>
+      </p:sp>
+      <p:sp>
+        <p:nvSpPr>
+          <p:cNvPr id="828" name="文本框 827">
+            <a:extLst>
+              <a:ext uri="{FF2B5EF4-FFF2-40B4-BE49-F238E27FC236}">
+                <a16:creationId xmlns:a16="http://schemas.microsoft.com/office/drawing/2014/main" id="{5E421AB4-A0B2-24A7-6FDF-FF710ECA3C94}"/>
+              </a:ext>
+            </a:extLst>
+          </p:cNvPr>
+          <p:cNvSpPr txBox="1"/>
+          <p:nvPr/>
+        </p:nvSpPr>
+        <p:spPr>
+          <a:xfrm>
+            <a:off x="4627703" y="8943724"/>
+            <a:ext cx="417008" cy="215444"/>
+          </a:xfrm>
+          <a:prstGeom prst="rect">
+            <a:avLst/>
+          </a:prstGeom>
+          <a:noFill/>
+        </p:spPr>
+        <p:txBody>
+          <a:bodyPr wrap="square">
+            <a:spAutoFit/>
+          </a:bodyPr>
+          <a:lstStyle/>
+          <a:p>
+            <a:pPr defTabSz="914400"/>
+            <a:r>
+              <a:rPr lang="en-US" altLang="zh-CN" sz="800" kern="100" spc="20" dirty="0">
+                <a:solidFill>
+                  <a:srgbClr val="000000"/>
+                </a:solidFill>
+                <a:latin typeface="Arial" panose="020B0604020202020204" pitchFamily="34" charset="0"/>
+                <a:ea typeface="方正书宋_GBK"/>
+                <a:cs typeface="Arial" panose="020B0604020202020204" pitchFamily="34" charset="0"/>
+              </a:rPr>
+              <a:t>32 X</a:t>
+            </a:r>
+            <a:endParaRPr lang="zh-CN" altLang="en-US" sz="800" dirty="0">
+              <a:solidFill>
+                <a:srgbClr val="000000"/>
+              </a:solidFill>
+              <a:latin typeface="Arial" panose="020B0604020202020204" pitchFamily="34" charset="0"/>
+              <a:cs typeface="Arial" panose="020B0604020202020204" pitchFamily="34" charset="0"/>
+            </a:endParaRPr>
+          </a:p>
+        </p:txBody>
+      </p:sp>
+      <p:sp>
+        <p:nvSpPr>
+          <p:cNvPr id="1024" name="文本框 1023">
+            <a:extLst>
+              <a:ext uri="{FF2B5EF4-FFF2-40B4-BE49-F238E27FC236}">
+                <a16:creationId xmlns:a16="http://schemas.microsoft.com/office/drawing/2014/main" id="{BF15628E-E7DC-98FD-6A44-DBB393B307BC}"/>
+              </a:ext>
+            </a:extLst>
+          </p:cNvPr>
+          <p:cNvSpPr txBox="1"/>
+          <p:nvPr/>
+        </p:nvSpPr>
+        <p:spPr>
+          <a:xfrm>
+            <a:off x="4708627" y="7523866"/>
+            <a:ext cx="417008" cy="215444"/>
+          </a:xfrm>
+          <a:prstGeom prst="rect">
+            <a:avLst/>
+          </a:prstGeom>
+          <a:noFill/>
+        </p:spPr>
+        <p:txBody>
+          <a:bodyPr wrap="square">
+            <a:spAutoFit/>
+          </a:bodyPr>
+          <a:lstStyle/>
+          <a:p>
+            <a:pPr defTabSz="914400"/>
+            <a:r>
+              <a:rPr lang="en-US" altLang="zh-CN" sz="800" kern="100" spc="20" dirty="0">
+                <a:solidFill>
+                  <a:srgbClr val="000000"/>
+                </a:solidFill>
+                <a:latin typeface="Arial" panose="020B0604020202020204" pitchFamily="34" charset="0"/>
+                <a:ea typeface="方正书宋_GBK"/>
+                <a:cs typeface="Arial" panose="020B0604020202020204" pitchFamily="34" charset="0"/>
+              </a:rPr>
+              <a:t>16 X</a:t>
+            </a:r>
+            <a:endParaRPr lang="zh-CN" altLang="en-US" sz="800" dirty="0">
+              <a:solidFill>
+                <a:srgbClr val="000000"/>
+              </a:solidFill>
+              <a:latin typeface="Arial" panose="020B0604020202020204" pitchFamily="34" charset="0"/>
+              <a:cs typeface="Arial" panose="020B0604020202020204" pitchFamily="34" charset="0"/>
+            </a:endParaRPr>
+          </a:p>
+        </p:txBody>
+      </p:sp>
+      <p:sp>
+        <p:nvSpPr>
+          <p:cNvPr id="1025" name="文本框 1024">
+            <a:extLst>
+              <a:ext uri="{FF2B5EF4-FFF2-40B4-BE49-F238E27FC236}">
+                <a16:creationId xmlns:a16="http://schemas.microsoft.com/office/drawing/2014/main" id="{3DF3235F-5667-18FC-6716-5AEAB61EE369}"/>
+              </a:ext>
+            </a:extLst>
+          </p:cNvPr>
+          <p:cNvSpPr txBox="1"/>
+          <p:nvPr/>
+        </p:nvSpPr>
+        <p:spPr>
+          <a:xfrm>
+            <a:off x="4716093" y="6772696"/>
+            <a:ext cx="417008" cy="215444"/>
+          </a:xfrm>
+          <a:prstGeom prst="rect">
+            <a:avLst/>
+          </a:prstGeom>
+          <a:noFill/>
+        </p:spPr>
+        <p:txBody>
+          <a:bodyPr wrap="square">
+            <a:spAutoFit/>
+          </a:bodyPr>
+          <a:lstStyle/>
+          <a:p>
+            <a:pPr defTabSz="914400"/>
+            <a:r>
+              <a:rPr lang="en-US" altLang="zh-CN" sz="800" kern="100" spc="20" dirty="0">
+                <a:solidFill>
+                  <a:srgbClr val="000000"/>
+                </a:solidFill>
+                <a:latin typeface="Arial" panose="020B0604020202020204" pitchFamily="34" charset="0"/>
+                <a:ea typeface="方正书宋_GBK"/>
+                <a:cs typeface="Arial" panose="020B0604020202020204" pitchFamily="34" charset="0"/>
+              </a:rPr>
+              <a:t>8 X</a:t>
+            </a:r>
+            <a:endParaRPr lang="zh-CN" altLang="en-US" sz="800" dirty="0">
+              <a:solidFill>
+                <a:srgbClr val="000000"/>
+              </a:solidFill>
+              <a:latin typeface="Arial" panose="020B0604020202020204" pitchFamily="34" charset="0"/>
+              <a:cs typeface="Arial" panose="020B0604020202020204" pitchFamily="34" charset="0"/>
+            </a:endParaRPr>
+          </a:p>
+        </p:txBody>
+      </p:sp>
+      <p:sp>
+        <p:nvSpPr>
+          <p:cNvPr id="1028" name="文本框 1027">
+            <a:extLst>
+              <a:ext uri="{FF2B5EF4-FFF2-40B4-BE49-F238E27FC236}">
+                <a16:creationId xmlns:a16="http://schemas.microsoft.com/office/drawing/2014/main" id="{8441B840-2E1B-ECFB-0294-20D507853E7A}"/>
+              </a:ext>
+            </a:extLst>
+          </p:cNvPr>
+          <p:cNvSpPr txBox="1"/>
+          <p:nvPr/>
+        </p:nvSpPr>
+        <p:spPr>
+          <a:xfrm>
+            <a:off x="6831825" y="8694888"/>
+            <a:ext cx="382298" cy="261610"/>
+          </a:xfrm>
+          <a:prstGeom prst="rect">
+            <a:avLst/>
+          </a:prstGeom>
+          <a:noFill/>
+          <a:ln>
+            <a:solidFill>
+              <a:srgbClr val="4472C4"/>
+            </a:solidFill>
+          </a:ln>
+        </p:spPr>
+        <p:txBody>
+          <a:bodyPr wrap="square">
+            <a:spAutoFit/>
+          </a:bodyPr>
+          <a:lstStyle/>
+          <a:p>
+            <a:pPr algn="ctr"/>
+            <a:r>
+              <a:rPr lang="en-US" altLang="zh-CN" sz="1100" b="1" dirty="0">
+                <a:latin typeface="Arial" panose="020B0604020202020204" pitchFamily="34" charset="0"/>
+                <a:cs typeface="Arial" panose="020B0604020202020204" pitchFamily="34" charset="0"/>
+              </a:rPr>
+              <a:t>P5</a:t>
+            </a:r>
+            <a:endParaRPr lang="zh-CN" altLang="en-US" sz="1100" b="1" dirty="0">
+              <a:latin typeface="Arial" panose="020B0604020202020204" pitchFamily="34" charset="0"/>
+              <a:cs typeface="Arial" panose="020B0604020202020204" pitchFamily="34" charset="0"/>
+            </a:endParaRPr>
+          </a:p>
+        </p:txBody>
+      </p:sp>
+      <p:cxnSp>
+        <p:nvCxnSpPr>
+          <p:cNvPr id="1033" name="肘形连接符 225">
+            <a:extLst>
+              <a:ext uri="{FF2B5EF4-FFF2-40B4-BE49-F238E27FC236}">
+                <a16:creationId xmlns:a16="http://schemas.microsoft.com/office/drawing/2014/main" id="{7196DB65-0008-44CD-B68D-E20983F67146}"/>
+              </a:ext>
+            </a:extLst>
+          </p:cNvPr>
+          <p:cNvCxnSpPr>
+            <a:cxnSpLocks/>
+            <a:stCxn id="1028" idx="3"/>
+            <a:endCxn id="54" idx="1"/>
+          </p:cNvCxnSpPr>
+          <p:nvPr/>
+        </p:nvCxnSpPr>
+        <p:spPr>
+          <a:xfrm flipV="1">
+            <a:off x="7214123" y="8419032"/>
+            <a:ext cx="1499767" cy="406661"/>
+          </a:xfrm>
+          <a:prstGeom prst="bentConnector3">
+            <a:avLst>
+              <a:gd name="adj1" fmla="val 87090"/>
+            </a:avLst>
+          </a:prstGeom>
+          <a:noFill/>
+          <a:ln w="9525" cap="flat" cmpd="sng">
+            <a:solidFill>
+              <a:schemeClr val="tx1"/>
+            </a:solidFill>
+            <a:prstDash val="solid"/>
+            <a:round/>
+            <a:headEnd type="none" w="med" len="med"/>
+            <a:tailEnd type="triangle" w="med" len="med"/>
+          </a:ln>
+        </p:spPr>
+      </p:cxnSp>
+      <p:cxnSp>
+        <p:nvCxnSpPr>
+          <p:cNvPr id="1037" name="肘形连接符 225">
+            <a:extLst>
+              <a:ext uri="{FF2B5EF4-FFF2-40B4-BE49-F238E27FC236}">
+                <a16:creationId xmlns:a16="http://schemas.microsoft.com/office/drawing/2014/main" id="{D98C8C02-18F9-CF13-AF88-CDCBF7BDA6EC}"/>
+              </a:ext>
+            </a:extLst>
+          </p:cNvPr>
+          <p:cNvCxnSpPr>
+            <a:cxnSpLocks/>
+            <a:stCxn id="1028" idx="0"/>
+            <a:endCxn id="59" idx="1"/>
+          </p:cNvCxnSpPr>
+          <p:nvPr/>
+        </p:nvCxnSpPr>
+        <p:spPr>
+          <a:xfrm rot="5400000" flipH="1" flipV="1">
+            <a:off x="7162761" y="8279023"/>
+            <a:ext cx="276078" cy="555653"/>
+          </a:xfrm>
+          <a:prstGeom prst="bentConnector2">
+            <a:avLst/>
+          </a:prstGeom>
+          <a:noFill/>
+          <a:ln w="9525" cap="flat" cmpd="sng">
+            <a:solidFill>
+              <a:schemeClr val="tx1"/>
+            </a:solidFill>
+            <a:prstDash val="solid"/>
+            <a:round/>
+            <a:headEnd type="none" w="med" len="med"/>
+            <a:tailEnd type="triangle" w="med" len="med"/>
+          </a:ln>
+        </p:spPr>
+      </p:cxnSp>
+      <p:sp>
+        <p:nvSpPr>
+          <p:cNvPr id="1042" name="文本框 1041">
+            <a:extLst>
+              <a:ext uri="{FF2B5EF4-FFF2-40B4-BE49-F238E27FC236}">
+                <a16:creationId xmlns:a16="http://schemas.microsoft.com/office/drawing/2014/main" id="{6B84C37B-6B97-60C4-A35A-460A563BE47A}"/>
+              </a:ext>
+            </a:extLst>
+          </p:cNvPr>
+          <p:cNvSpPr txBox="1"/>
+          <p:nvPr/>
+        </p:nvSpPr>
+        <p:spPr>
+          <a:xfrm>
+            <a:off x="-193586" y="1669303"/>
+            <a:ext cx="16179622" cy="1182375"/>
+          </a:xfrm>
+          <a:prstGeom prst="rect">
+            <a:avLst/>
+          </a:prstGeom>
+          <a:noFill/>
+        </p:spPr>
+        <p:txBody>
+          <a:bodyPr wrap="square">
+            <a:spAutoFit/>
+          </a:bodyPr>
+          <a:lstStyle/>
+          <a:p>
+            <a:pPr algn="ctr">
+              <a:lnSpc>
+                <a:spcPts val="2000"/>
+              </a:lnSpc>
+              <a:spcAft>
+                <a:spcPts val="1200"/>
+              </a:spcAft>
+              <a:buNone/>
+            </a:pPr>
+            <a:r>
+              <a:rPr lang="en-US" altLang="zh-CN" sz="2800" dirty="0">
+                <a:effectLst/>
+                <a:latin typeface="Times New Roman" panose="02020603050405020304" pitchFamily="18" charset="0"/>
+                <a:ea typeface="宋体" panose="02010600030101010101" pitchFamily="2" charset="-122"/>
+              </a:rPr>
+              <a:t>YOLOv11-RGBT: Towards a Comprehensive Single-Stage Multispectral Object Detection Framework</a:t>
+            </a:r>
+            <a:endParaRPr lang="zh-CN" altLang="zh-CN" sz="2800" dirty="0">
+              <a:effectLst/>
+              <a:latin typeface="Times New Roman" panose="02020603050405020304" pitchFamily="18" charset="0"/>
+              <a:ea typeface="宋体" panose="02010600030101010101" pitchFamily="2" charset="-122"/>
+            </a:endParaRPr>
+          </a:p>
+          <a:p>
+            <a:pPr algn="ctr">
+              <a:lnSpc>
+                <a:spcPts val="1500"/>
+              </a:lnSpc>
+              <a:spcAft>
+                <a:spcPts val="800"/>
+              </a:spcAft>
+              <a:buNone/>
+            </a:pPr>
+            <a:r>
+              <a:rPr lang="en-US" altLang="zh-CN" sz="1800" dirty="0">
+                <a:solidFill>
+                  <a:srgbClr val="000000"/>
+                </a:solidFill>
+                <a:effectLst/>
+                <a:latin typeface="Times New Roman" panose="02020603050405020304" pitchFamily="18" charset="0"/>
+                <a:ea typeface="宋体" panose="02010600030101010101" pitchFamily="2" charset="-122"/>
+              </a:rPr>
+              <a:t>Dahang Wan</a:t>
+            </a:r>
+            <a:r>
+              <a:rPr lang="en-GB" altLang="zh-CN" sz="1100" baseline="30000" dirty="0" err="1">
+                <a:solidFill>
+                  <a:srgbClr val="000000"/>
+                </a:solidFill>
+                <a:effectLst/>
+                <a:latin typeface="Times New Roman" panose="02020603050405020304" pitchFamily="18" charset="0"/>
+                <a:ea typeface="宋体" panose="02010600030101010101" pitchFamily="2" charset="-122"/>
+              </a:rPr>
+              <a:t>a,b</a:t>
+            </a:r>
+            <a:r>
+              <a:rPr lang="en-US" altLang="zh-CN" sz="1800" dirty="0">
+                <a:solidFill>
+                  <a:srgbClr val="000000"/>
+                </a:solidFill>
+                <a:effectLst/>
+                <a:latin typeface="Times New Roman" panose="02020603050405020304" pitchFamily="18" charset="0"/>
+                <a:ea typeface="宋体" panose="02010600030101010101" pitchFamily="2" charset="-122"/>
+              </a:rPr>
+              <a:t>, </a:t>
+            </a:r>
+            <a:r>
+              <a:rPr lang="en-US" altLang="zh-CN" sz="1800" dirty="0" err="1">
+                <a:solidFill>
+                  <a:srgbClr val="000000"/>
+                </a:solidFill>
+                <a:effectLst/>
+                <a:latin typeface="Times New Roman" panose="02020603050405020304" pitchFamily="18" charset="0"/>
+                <a:ea typeface="宋体" panose="02010600030101010101" pitchFamily="2" charset="-122"/>
+              </a:rPr>
+              <a:t>Rongsheng</a:t>
+            </a:r>
+            <a:r>
+              <a:rPr lang="en-US" altLang="zh-CN" sz="1800" dirty="0">
+                <a:solidFill>
+                  <a:srgbClr val="000000"/>
+                </a:solidFill>
+                <a:effectLst/>
+                <a:latin typeface="Times New Roman" panose="02020603050405020304" pitchFamily="18" charset="0"/>
+                <a:ea typeface="宋体" panose="02010600030101010101" pitchFamily="2" charset="-122"/>
+              </a:rPr>
+              <a:t> Lu</a:t>
+            </a:r>
+            <a:r>
+              <a:rPr lang="en-GB" altLang="zh-CN" sz="1100" baseline="30000" dirty="0" err="1">
+                <a:solidFill>
+                  <a:srgbClr val="000000"/>
+                </a:solidFill>
+                <a:effectLst/>
+                <a:latin typeface="Times New Roman" panose="02020603050405020304" pitchFamily="18" charset="0"/>
+                <a:ea typeface="宋体" panose="02010600030101010101" pitchFamily="2" charset="-122"/>
+              </a:rPr>
+              <a:t>a,b</a:t>
+            </a:r>
+            <a:r>
+              <a:rPr lang="en-US" altLang="zh-CN" sz="1800" dirty="0">
+                <a:solidFill>
+                  <a:srgbClr val="000000"/>
+                </a:solidFill>
+                <a:effectLst/>
+                <a:latin typeface="Times New Roman" panose="02020603050405020304" pitchFamily="18" charset="0"/>
+                <a:ea typeface="宋体" panose="02010600030101010101" pitchFamily="2" charset="-122"/>
+              </a:rPr>
+              <a:t>*, Yang Fang</a:t>
+            </a:r>
+            <a:r>
+              <a:rPr lang="en-GB" altLang="zh-CN" sz="1100" baseline="30000" dirty="0" err="1">
+                <a:solidFill>
+                  <a:srgbClr val="000000"/>
+                </a:solidFill>
+                <a:effectLst/>
+                <a:latin typeface="Times New Roman" panose="02020603050405020304" pitchFamily="18" charset="0"/>
+                <a:ea typeface="宋体" panose="02010600030101010101" pitchFamily="2" charset="-122"/>
+              </a:rPr>
+              <a:t>a,b</a:t>
+            </a:r>
+            <a:r>
+              <a:rPr lang="en-US" altLang="zh-CN" sz="1800" dirty="0">
+                <a:solidFill>
+                  <a:srgbClr val="000000"/>
+                </a:solidFill>
+                <a:effectLst/>
+                <a:latin typeface="Times New Roman" panose="02020603050405020304" pitchFamily="18" charset="0"/>
+                <a:ea typeface="宋体" panose="02010600030101010101" pitchFamily="2" charset="-122"/>
+              </a:rPr>
+              <a:t>, </a:t>
+            </a:r>
+            <a:r>
+              <a:rPr lang="en-US" altLang="zh-CN" sz="1800" dirty="0" err="1">
+                <a:solidFill>
+                  <a:srgbClr val="000000"/>
+                </a:solidFill>
+                <a:effectLst/>
+                <a:latin typeface="Times New Roman" panose="02020603050405020304" pitchFamily="18" charset="0"/>
+                <a:ea typeface="宋体" panose="02010600030101010101" pitchFamily="2" charset="-122"/>
+              </a:rPr>
+              <a:t>Xianli</a:t>
+            </a:r>
+            <a:r>
+              <a:rPr lang="en-US" altLang="zh-CN" sz="1800" dirty="0">
+                <a:solidFill>
+                  <a:srgbClr val="000000"/>
+                </a:solidFill>
+                <a:effectLst/>
+                <a:latin typeface="Times New Roman" panose="02020603050405020304" pitchFamily="18" charset="0"/>
+                <a:ea typeface="宋体" panose="02010600030101010101" pitchFamily="2" charset="-122"/>
+              </a:rPr>
+              <a:t> Lang</a:t>
+            </a:r>
+            <a:r>
+              <a:rPr lang="en-US" altLang="zh-CN" sz="1100" baseline="30000" dirty="0">
+                <a:solidFill>
+                  <a:srgbClr val="000000"/>
+                </a:solidFill>
+                <a:effectLst/>
+                <a:latin typeface="Times New Roman" panose="02020603050405020304" pitchFamily="18" charset="0"/>
+                <a:ea typeface="宋体" panose="02010600030101010101" pitchFamily="2" charset="-122"/>
+              </a:rPr>
+              <a:t> </a:t>
+            </a:r>
+            <a:r>
+              <a:rPr lang="en-GB" altLang="zh-CN" sz="1100" baseline="30000" dirty="0" err="1">
+                <a:solidFill>
+                  <a:srgbClr val="000000"/>
+                </a:solidFill>
+                <a:effectLst/>
+                <a:latin typeface="Times New Roman" panose="02020603050405020304" pitchFamily="18" charset="0"/>
+                <a:ea typeface="宋体" panose="02010600030101010101" pitchFamily="2" charset="-122"/>
+              </a:rPr>
+              <a:t>a,b</a:t>
+            </a:r>
+            <a:r>
+              <a:rPr lang="en-US" altLang="zh-CN" sz="1800" dirty="0">
+                <a:solidFill>
+                  <a:srgbClr val="000000"/>
+                </a:solidFill>
+                <a:effectLst/>
+                <a:latin typeface="Times New Roman" panose="02020603050405020304" pitchFamily="18" charset="0"/>
+                <a:ea typeface="宋体" panose="02010600030101010101" pitchFamily="2" charset="-122"/>
+              </a:rPr>
+              <a:t>, </a:t>
+            </a:r>
+            <a:r>
+              <a:rPr lang="en-US" altLang="zh-CN" sz="1100" baseline="30000" dirty="0">
+                <a:solidFill>
+                  <a:srgbClr val="000000"/>
+                </a:solidFill>
+                <a:effectLst/>
+                <a:latin typeface="Times New Roman" panose="02020603050405020304" pitchFamily="18" charset="0"/>
+                <a:ea typeface="宋体" panose="02010600030101010101" pitchFamily="2" charset="-122"/>
+              </a:rPr>
+              <a:t> </a:t>
+            </a:r>
+            <a:r>
+              <a:rPr lang="en-US" altLang="zh-CN" sz="1800" dirty="0" err="1">
+                <a:solidFill>
+                  <a:srgbClr val="000000"/>
+                </a:solidFill>
+                <a:effectLst/>
+                <a:latin typeface="Times New Roman" panose="02020603050405020304" pitchFamily="18" charset="0"/>
+                <a:ea typeface="宋体" panose="02010600030101010101" pitchFamily="2" charset="-122"/>
+              </a:rPr>
+              <a:t>Shuangbao</a:t>
+            </a:r>
+            <a:r>
+              <a:rPr lang="en-US" altLang="zh-CN" sz="1800" dirty="0">
+                <a:solidFill>
+                  <a:srgbClr val="000000"/>
+                </a:solidFill>
+                <a:effectLst/>
+                <a:latin typeface="Times New Roman" panose="02020603050405020304" pitchFamily="18" charset="0"/>
+                <a:ea typeface="宋体" panose="02010600030101010101" pitchFamily="2" charset="-122"/>
+              </a:rPr>
+              <a:t> Shu</a:t>
+            </a:r>
+            <a:r>
+              <a:rPr lang="en-GB" altLang="zh-CN" sz="1100" baseline="30000" dirty="0" err="1">
+                <a:solidFill>
+                  <a:srgbClr val="000000"/>
+                </a:solidFill>
+                <a:effectLst/>
+                <a:latin typeface="Times New Roman" panose="02020603050405020304" pitchFamily="18" charset="0"/>
+                <a:ea typeface="宋体" panose="02010600030101010101" pitchFamily="2" charset="-122"/>
+              </a:rPr>
+              <a:t>a,b</a:t>
+            </a:r>
+            <a:r>
+              <a:rPr lang="en-US" altLang="zh-CN" sz="1800" dirty="0">
+                <a:solidFill>
+                  <a:srgbClr val="000000"/>
+                </a:solidFill>
+                <a:effectLst/>
+                <a:latin typeface="Times New Roman" panose="02020603050405020304" pitchFamily="18" charset="0"/>
+                <a:ea typeface="宋体" panose="02010600030101010101" pitchFamily="2" charset="-122"/>
+              </a:rPr>
+              <a:t>, Jingjing Chen</a:t>
+            </a:r>
+            <a:r>
+              <a:rPr lang="en-GB" altLang="zh-CN" sz="1100" baseline="30000" dirty="0" err="1">
+                <a:solidFill>
+                  <a:srgbClr val="000000"/>
+                </a:solidFill>
+                <a:effectLst/>
+                <a:latin typeface="Times New Roman" panose="02020603050405020304" pitchFamily="18" charset="0"/>
+                <a:ea typeface="宋体" panose="02010600030101010101" pitchFamily="2" charset="-122"/>
+              </a:rPr>
+              <a:t>a,b</a:t>
+            </a:r>
+            <a:r>
+              <a:rPr lang="en-US" altLang="zh-CN" sz="1800" dirty="0">
+                <a:solidFill>
+                  <a:srgbClr val="000000"/>
+                </a:solidFill>
+                <a:effectLst/>
+                <a:latin typeface="Times New Roman" panose="02020603050405020304" pitchFamily="18" charset="0"/>
+                <a:ea typeface="宋体" panose="02010600030101010101" pitchFamily="2" charset="-122"/>
+              </a:rPr>
+              <a:t>, Siyuan Shen</a:t>
+            </a:r>
+            <a:r>
+              <a:rPr lang="en-GB" altLang="zh-CN" sz="1100" baseline="30000" dirty="0" err="1">
+                <a:solidFill>
+                  <a:srgbClr val="000000"/>
+                </a:solidFill>
+                <a:effectLst/>
+                <a:latin typeface="Times New Roman" panose="02020603050405020304" pitchFamily="18" charset="0"/>
+                <a:ea typeface="宋体" panose="02010600030101010101" pitchFamily="2" charset="-122"/>
+              </a:rPr>
+              <a:t>a,b</a:t>
+            </a:r>
+            <a:r>
+              <a:rPr lang="en-US" altLang="zh-CN" sz="1800" dirty="0">
+                <a:solidFill>
+                  <a:srgbClr val="000000"/>
+                </a:solidFill>
+                <a:effectLst/>
+                <a:latin typeface="Times New Roman" panose="02020603050405020304" pitchFamily="18" charset="0"/>
+                <a:ea typeface="宋体" panose="02010600030101010101" pitchFamily="2" charset="-122"/>
+              </a:rPr>
+              <a:t>, Ting Xu</a:t>
+            </a:r>
+            <a:r>
+              <a:rPr lang="en-GB" altLang="zh-CN" sz="1100" baseline="30000" dirty="0" err="1">
+                <a:solidFill>
+                  <a:srgbClr val="000000"/>
+                </a:solidFill>
+                <a:effectLst/>
+                <a:latin typeface="Times New Roman" panose="02020603050405020304" pitchFamily="18" charset="0"/>
+                <a:ea typeface="宋体" panose="02010600030101010101" pitchFamily="2" charset="-122"/>
+              </a:rPr>
+              <a:t>a,b</a:t>
+            </a:r>
+            <a:r>
+              <a:rPr lang="en-US" altLang="zh-CN" sz="1800" dirty="0">
+                <a:solidFill>
+                  <a:srgbClr val="000000"/>
+                </a:solidFill>
+                <a:effectLst/>
+                <a:latin typeface="Times New Roman" panose="02020603050405020304" pitchFamily="18" charset="0"/>
+                <a:ea typeface="宋体" panose="02010600030101010101" pitchFamily="2" charset="-122"/>
+              </a:rPr>
+              <a:t>, </a:t>
+            </a:r>
+            <a:r>
+              <a:rPr lang="en-US" altLang="zh-CN" sz="1800" dirty="0" err="1">
+                <a:solidFill>
+                  <a:srgbClr val="000000"/>
+                </a:solidFill>
+                <a:effectLst/>
+                <a:latin typeface="Times New Roman" panose="02020603050405020304" pitchFamily="18" charset="0"/>
+                <a:ea typeface="宋体" panose="02010600030101010101" pitchFamily="2" charset="-122"/>
+              </a:rPr>
+              <a:t>Zecong</a:t>
+            </a:r>
+            <a:r>
+              <a:rPr lang="en-US" altLang="zh-CN" sz="1800" dirty="0">
+                <a:solidFill>
+                  <a:srgbClr val="000000"/>
+                </a:solidFill>
+                <a:effectLst/>
+                <a:latin typeface="Times New Roman" panose="02020603050405020304" pitchFamily="18" charset="0"/>
+                <a:ea typeface="宋体" panose="02010600030101010101" pitchFamily="2" charset="-122"/>
+              </a:rPr>
+              <a:t> Ye</a:t>
+            </a:r>
+            <a:r>
+              <a:rPr lang="en-GB" altLang="zh-CN" sz="1100" baseline="30000" dirty="0">
+                <a:solidFill>
+                  <a:srgbClr val="000000"/>
+                </a:solidFill>
+                <a:effectLst/>
+                <a:latin typeface="Times New Roman" panose="02020603050405020304" pitchFamily="18" charset="0"/>
+                <a:ea typeface="宋体" panose="02010600030101010101" pitchFamily="2" charset="-122"/>
+              </a:rPr>
+              <a:t>c</a:t>
+            </a:r>
+            <a:endParaRPr lang="zh-CN" altLang="zh-CN" sz="2000" dirty="0">
+              <a:effectLst/>
+              <a:latin typeface="Times New Roman" panose="02020603050405020304" pitchFamily="18" charset="0"/>
+              <a:ea typeface="宋体" panose="02010600030101010101" pitchFamily="2" charset="-122"/>
+            </a:endParaRPr>
+          </a:p>
+          <a:p>
+            <a:pPr algn="ctr">
+              <a:lnSpc>
+                <a:spcPts val="1000"/>
+              </a:lnSpc>
+              <a:buNone/>
+            </a:pPr>
+            <a:r>
+              <a:rPr lang="en-GB" altLang="zh-CN" sz="1100" i="1" baseline="30000" dirty="0">
+                <a:solidFill>
+                  <a:srgbClr val="000000"/>
+                </a:solidFill>
+                <a:effectLst/>
+                <a:latin typeface="Times New Roman" panose="02020603050405020304" pitchFamily="18" charset="0"/>
+                <a:ea typeface="宋体" panose="02010600030101010101" pitchFamily="2" charset="-122"/>
+              </a:rPr>
+              <a:t>a</a:t>
+            </a:r>
+            <a:r>
+              <a:rPr lang="en-US" altLang="zh-CN" sz="1050" i="1" dirty="0">
+                <a:solidFill>
+                  <a:srgbClr val="000000"/>
+                </a:solidFill>
+                <a:effectLst/>
+                <a:latin typeface="Times New Roman" panose="02020603050405020304" pitchFamily="18" charset="0"/>
+                <a:ea typeface="宋体" panose="02010600030101010101" pitchFamily="2" charset="-122"/>
+              </a:rPr>
+              <a:t>School of Instrument Science and Opto-electronics Engineering, Hefei University of Technology, Hefei 230009, China</a:t>
+            </a:r>
+            <a:endParaRPr lang="zh-CN" altLang="zh-CN" sz="1050" i="1" dirty="0">
+              <a:effectLst/>
+              <a:latin typeface="Times New Roman" panose="02020603050405020304" pitchFamily="18" charset="0"/>
+              <a:ea typeface="宋体" panose="02010600030101010101" pitchFamily="2" charset="-122"/>
+            </a:endParaRPr>
+          </a:p>
+          <a:p>
+            <a:pPr algn="ctr">
+              <a:lnSpc>
+                <a:spcPts val="1000"/>
+              </a:lnSpc>
+              <a:buNone/>
+            </a:pPr>
+            <a:r>
+              <a:rPr lang="en-GB" altLang="zh-CN" sz="1100" i="1" baseline="30000" dirty="0">
+                <a:solidFill>
+                  <a:srgbClr val="000000"/>
+                </a:solidFill>
+                <a:effectLst/>
+                <a:latin typeface="Times New Roman" panose="02020603050405020304" pitchFamily="18" charset="0"/>
+                <a:ea typeface="宋体" panose="02010600030101010101" pitchFamily="2" charset="-122"/>
+              </a:rPr>
+              <a:t>b</a:t>
+            </a:r>
+            <a:r>
+              <a:rPr lang="en-US" altLang="zh-CN" sz="1050" i="1" dirty="0">
+                <a:solidFill>
+                  <a:srgbClr val="000000"/>
+                </a:solidFill>
+                <a:effectLst/>
+                <a:latin typeface="Times New Roman" panose="02020603050405020304" pitchFamily="18" charset="0"/>
+                <a:ea typeface="宋体" panose="02010600030101010101" pitchFamily="2" charset="-122"/>
+              </a:rPr>
+              <a:t>Anhui Province Key Laboratory of Measuring Theory and Precision Instrument, Hefei University of Technology, Hefei 230009, China</a:t>
+            </a:r>
+            <a:endParaRPr lang="zh-CN" altLang="zh-CN" sz="1050" i="1" dirty="0">
+              <a:effectLst/>
+              <a:latin typeface="Times New Roman" panose="02020603050405020304" pitchFamily="18" charset="0"/>
+              <a:ea typeface="宋体" panose="02010600030101010101" pitchFamily="2" charset="-122"/>
+            </a:endParaRPr>
+          </a:p>
+          <a:p>
+            <a:pPr algn="ctr">
+              <a:lnSpc>
+                <a:spcPts val="1000"/>
+              </a:lnSpc>
+            </a:pPr>
+            <a:r>
+              <a:rPr lang="en-GB" altLang="zh-CN" sz="1100" i="1" baseline="30000" dirty="0" err="1">
+                <a:solidFill>
+                  <a:srgbClr val="000000"/>
+                </a:solidFill>
+                <a:effectLst/>
+                <a:latin typeface="Times New Roman" panose="02020603050405020304" pitchFamily="18" charset="0"/>
+                <a:ea typeface="宋体" panose="02010600030101010101" pitchFamily="2" charset="-122"/>
+              </a:rPr>
+              <a:t>c</a:t>
+            </a:r>
+            <a:r>
+              <a:rPr lang="en-GB" altLang="zh-CN" sz="1050" i="1" dirty="0" err="1">
+                <a:solidFill>
+                  <a:srgbClr val="000000"/>
+                </a:solidFill>
+                <a:effectLst/>
+                <a:latin typeface="Times New Roman" panose="02020603050405020304" pitchFamily="18" charset="0"/>
+                <a:ea typeface="宋体" panose="02010600030101010101" pitchFamily="2" charset="-122"/>
+              </a:rPr>
+              <a:t>School</a:t>
+            </a:r>
+            <a:r>
+              <a:rPr lang="en-GB" altLang="zh-CN" sz="1050" i="1" dirty="0">
+                <a:solidFill>
+                  <a:srgbClr val="000000"/>
+                </a:solidFill>
+                <a:effectLst/>
+                <a:latin typeface="Times New Roman" panose="02020603050405020304" pitchFamily="18" charset="0"/>
+                <a:ea typeface="宋体" panose="02010600030101010101" pitchFamily="2" charset="-122"/>
+              </a:rPr>
+              <a:t> of Information Engineering, Engineering University of PAP, Xi’an 710086, China</a:t>
+            </a:r>
+            <a:endParaRPr lang="zh-CN" altLang="zh-CN" sz="1050" i="1" dirty="0">
+              <a:effectLst/>
+              <a:latin typeface="Times New Roman" panose="02020603050405020304" pitchFamily="18" charset="0"/>
+              <a:ea typeface="宋体" panose="02010600030101010101" pitchFamily="2" charset="-122"/>
+            </a:endParaRPr>
+          </a:p>
+        </p:txBody>
+      </p:sp>
+      <p:sp>
+        <p:nvSpPr>
+          <p:cNvPr id="1044" name="文本框 1043">
+            <a:extLst>
+              <a:ext uri="{FF2B5EF4-FFF2-40B4-BE49-F238E27FC236}">
+                <a16:creationId xmlns:a16="http://schemas.microsoft.com/office/drawing/2014/main" id="{48E56558-0A57-53C3-FB08-9B6EA820308F}"/>
+              </a:ext>
+            </a:extLst>
+          </p:cNvPr>
+          <p:cNvSpPr txBox="1"/>
+          <p:nvPr/>
+        </p:nvSpPr>
+        <p:spPr>
+          <a:xfrm>
+            <a:off x="4204072" y="9924747"/>
+            <a:ext cx="8084456" cy="369332"/>
+          </a:xfrm>
+          <a:prstGeom prst="rect">
+            <a:avLst/>
+          </a:prstGeom>
+          <a:noFill/>
+        </p:spPr>
+        <p:txBody>
+          <a:bodyPr wrap="square">
+            <a:spAutoFit/>
+          </a:bodyPr>
+          <a:lstStyle/>
+          <a:p>
+            <a:r>
+              <a:rPr lang="zh-CN" altLang="en-US" b="0" i="0" dirty="0">
+                <a:solidFill>
+                  <a:srgbClr val="2D77E5"/>
+                </a:solidFill>
+                <a:effectLst/>
+                <a:latin typeface="Color Emoji"/>
+              </a:rPr>
+              <a:t>使用请注明来源：</a:t>
+            </a:r>
+            <a:r>
+              <a:rPr lang="en-US" altLang="zh-CN" b="0" i="0" dirty="0">
+                <a:solidFill>
+                  <a:srgbClr val="2D77E5"/>
+                </a:solidFill>
+                <a:effectLst/>
+                <a:latin typeface="Color Emoji"/>
+              </a:rPr>
+              <a:t>https://github.com/wandahangFY/YOLOv11-RGBT</a:t>
+            </a:r>
+            <a:endParaRPr lang="zh-CN" altLang="en-US" dirty="0"/>
+          </a:p>
+        </p:txBody>
+      </p:sp>
+      <p:sp>
+        <p:nvSpPr>
+          <p:cNvPr id="1046" name="文本框 1045">
+            <a:extLst>
+              <a:ext uri="{FF2B5EF4-FFF2-40B4-BE49-F238E27FC236}">
+                <a16:creationId xmlns:a16="http://schemas.microsoft.com/office/drawing/2014/main" id="{CC129EDD-B66C-E329-0F13-8A07C88FACF5}"/>
+              </a:ext>
+            </a:extLst>
+          </p:cNvPr>
+          <p:cNvSpPr txBox="1"/>
+          <p:nvPr/>
+        </p:nvSpPr>
+        <p:spPr>
+          <a:xfrm>
+            <a:off x="4219008" y="10464766"/>
+            <a:ext cx="8086724" cy="465577"/>
+          </a:xfrm>
+          <a:prstGeom prst="rect">
+            <a:avLst/>
+          </a:prstGeom>
+          <a:noFill/>
+        </p:spPr>
+        <p:txBody>
+          <a:bodyPr wrap="square">
+            <a:spAutoFit/>
+          </a:bodyPr>
+          <a:lstStyle/>
+          <a:p>
+            <a:pPr algn="l">
+              <a:lnSpc>
+                <a:spcPct val="150000"/>
+              </a:lnSpc>
+            </a:pPr>
+            <a:r>
+              <a:rPr lang="en-US" altLang="zh-CN" sz="1800" kern="100" dirty="0">
+                <a:effectLst/>
+                <a:latin typeface="Palatino Linotype" panose="02040502050505030304" pitchFamily="18" charset="0"/>
+                <a:ea typeface="等线" panose="02010600030101010101" pitchFamily="2" charset="-122"/>
+                <a:cs typeface="Times New Roman" panose="02020603050405020304" pitchFamily="18" charset="0"/>
+              </a:rPr>
+              <a:t>Dahang Wan,  </a:t>
+            </a:r>
+            <a:r>
+              <a:rPr lang="en-US" altLang="zh-CN" sz="1800" u="sng" kern="100" dirty="0">
+                <a:solidFill>
+                  <a:srgbClr val="0563C1"/>
+                </a:solidFill>
+                <a:effectLst/>
+                <a:latin typeface="Palatino Linotype" panose="02040502050505030304" pitchFamily="18" charset="0"/>
+                <a:ea typeface="等线" panose="02010600030101010101" pitchFamily="2" charset="-122"/>
+                <a:cs typeface="Times New Roman" panose="02020603050405020304" pitchFamily="18" charset="0"/>
+                <a:hlinkClick r:id="rId6"/>
+              </a:rPr>
+              <a:t>wandahang@mail.hfut.edu.cn </a:t>
+            </a:r>
+            <a:endParaRPr lang="zh-CN" altLang="zh-CN" sz="1800" kern="100" dirty="0">
+              <a:effectLst/>
+              <a:latin typeface="等线" panose="02010600030101010101" pitchFamily="2" charset="-122"/>
+              <a:ea typeface="等线" panose="02010600030101010101" pitchFamily="2" charset="-122"/>
+              <a:cs typeface="Times New Roman" panose="02020603050405020304" pitchFamily="18" charset="0"/>
+            </a:endParaRPr>
+          </a:p>
+        </p:txBody>
+      </p:sp>
+      <p:sp>
+        <p:nvSpPr>
+          <p:cNvPr id="954" name="矩形 953">
+            <a:extLst>
+              <a:ext uri="{FF2B5EF4-FFF2-40B4-BE49-F238E27FC236}">
+                <a16:creationId xmlns:a16="http://schemas.microsoft.com/office/drawing/2014/main" id="{7628CD47-DE3A-6537-B7D1-6B5E1FCD7610}"/>
               </a:ext>
             </a:extLst>
           </p:cNvPr>
@@ -15039,15 +16305,17 @@
         </p:nvSpPr>
         <p:spPr>
           <a:xfrm>
-            <a:off x="7597069" y="3829774"/>
-            <a:ext cx="635316" cy="198011"/>
+            <a:off x="7638259" y="4102741"/>
+            <a:ext cx="526857" cy="113950"/>
           </a:xfrm>
           <a:prstGeom prst="rect">
             <a:avLst/>
           </a:prstGeom>
           <a:noFill/>
           <a:ln w="9525">
-            <a:noFill/>
+            <a:solidFill>
+              <a:schemeClr val="tx1"/>
+            </a:solidFill>
           </a:ln>
         </p:spPr>
         <p:style>
@@ -15072,14 +16340,14 @@
           <a:p>
             <a:pPr algn="ctr"/>
             <a:r>
-              <a:rPr lang="en-US" altLang="zh-CN" sz="800" dirty="0" err="1">
+              <a:rPr lang="en-US" altLang="zh-CN" sz="800" dirty="0">
                 <a:solidFill>
                   <a:schemeClr val="tx1"/>
                 </a:solidFill>
                 <a:latin typeface="Arial" panose="020B0604020202020204" pitchFamily="34" charset="0"/>
                 <a:cs typeface="Arial" panose="020B0604020202020204" pitchFamily="34" charset="0"/>
               </a:rPr>
-              <a:t>DWConv</a:t>
+              <a:t>Conv</a:t>
             </a:r>
             <a:endParaRPr lang="zh-CN" altLang="en-US" sz="800" dirty="0">
               <a:solidFill>
@@ -15093,412 +16361,109 @@
       </p:sp>
       <p:cxnSp>
         <p:nvCxnSpPr>
-          <p:cNvPr id="760" name="直接箭头连接符 759">
-            <a:extLst>
-              <a:ext uri="{FF2B5EF4-FFF2-40B4-BE49-F238E27FC236}">
-                <a16:creationId xmlns:a16="http://schemas.microsoft.com/office/drawing/2014/main" id="{F0CC2306-2371-5A5F-CAA9-B45C83D2CA87}"/>
+          <p:cNvPr id="956" name="直接箭头连接符 955">
+            <a:extLst>
+              <a:ext uri="{FF2B5EF4-FFF2-40B4-BE49-F238E27FC236}">
+                <a16:creationId xmlns:a16="http://schemas.microsoft.com/office/drawing/2014/main" id="{24EB78E9-7340-CE64-2D5E-ED904B05076A}"/>
               </a:ext>
             </a:extLst>
           </p:cNvPr>
           <p:cNvCxnSpPr>
             <a:cxnSpLocks/>
-            <a:stCxn id="815" idx="2"/>
+            <a:stCxn id="110" idx="2"/>
+            <a:endCxn id="954" idx="0"/>
           </p:cNvCxnSpPr>
           <p:nvPr/>
         </p:nvCxnSpPr>
         <p:spPr>
           <a:xfrm>
-            <a:off x="4631964" y="7532833"/>
-            <a:ext cx="0" cy="214559"/>
+            <a:off x="7901685" y="3979863"/>
+            <a:ext cx="3" cy="122878"/>
           </a:xfrm>
           <a:prstGeom prst="straightConnector1">
             <a:avLst/>
           </a:prstGeom>
+          <a:ln w="9525">
+            <a:solidFill>
+              <a:schemeClr val="tx1"/>
+            </a:solidFill>
+            <a:tailEnd type="triangle"/>
+          </a:ln>
+        </p:spPr>
+        <p:style>
+          <a:lnRef idx="1">
+            <a:schemeClr val="accent1"/>
+          </a:lnRef>
+          <a:fillRef idx="0">
+            <a:schemeClr val="accent1"/>
+          </a:fillRef>
+          <a:effectRef idx="0">
+            <a:schemeClr val="accent1"/>
+          </a:effectRef>
+          <a:fontRef idx="minor">
+            <a:schemeClr val="tx1"/>
+          </a:fontRef>
+        </p:style>
+      </p:cxnSp>
+      <p:sp>
+        <p:nvSpPr>
+          <p:cNvPr id="739" name="矩形 738">
+            <a:extLst>
+              <a:ext uri="{FF2B5EF4-FFF2-40B4-BE49-F238E27FC236}">
+                <a16:creationId xmlns:a16="http://schemas.microsoft.com/office/drawing/2014/main" id="{22F9CB1A-1605-81FB-C179-344F8C7DDF7A}"/>
+              </a:ext>
+            </a:extLst>
+          </p:cNvPr>
+          <p:cNvSpPr/>
+          <p:nvPr/>
+        </p:nvSpPr>
+        <p:spPr>
+          <a:xfrm>
+            <a:off x="8250326" y="4062017"/>
+            <a:ext cx="635316" cy="198011"/>
+          </a:xfrm>
+          <a:prstGeom prst="rect">
+            <a:avLst/>
+          </a:prstGeom>
           <a:noFill/>
-          <a:ln w="12700" cap="flat" cmpd="sng" algn="ctr">
-            <a:solidFill>
-              <a:srgbClr val="000000"/>
-            </a:solidFill>
-            <a:prstDash val="solid"/>
-            <a:miter lim="800000"/>
-            <a:tailEnd type="triangle"/>
-          </a:ln>
-          <a:effectLst/>
-        </p:spPr>
-      </p:cxnSp>
-      <p:cxnSp>
-        <p:nvCxnSpPr>
-          <p:cNvPr id="764" name="直接箭头连接符 763">
-            <a:extLst>
-              <a:ext uri="{FF2B5EF4-FFF2-40B4-BE49-F238E27FC236}">
-                <a16:creationId xmlns:a16="http://schemas.microsoft.com/office/drawing/2014/main" id="{DC01269E-B1EA-3D62-9F59-DC732441C2D8}"/>
-              </a:ext>
-            </a:extLst>
-          </p:cNvPr>
-          <p:cNvCxnSpPr>
-            <a:cxnSpLocks/>
-            <a:stCxn id="818" idx="2"/>
-          </p:cNvCxnSpPr>
-          <p:nvPr/>
-        </p:nvCxnSpPr>
-        <p:spPr>
-          <a:xfrm>
-            <a:off x="4630642" y="6790846"/>
-            <a:ext cx="867" cy="235397"/>
-          </a:xfrm>
-          <a:prstGeom prst="straightConnector1">
-            <a:avLst/>
-          </a:prstGeom>
-          <a:noFill/>
-          <a:ln w="12700" cap="flat" cmpd="sng" algn="ctr">
-            <a:solidFill>
-              <a:srgbClr val="000000"/>
-            </a:solidFill>
-            <a:prstDash val="solid"/>
-            <a:miter lim="800000"/>
-            <a:tailEnd type="triangle"/>
-          </a:ln>
-          <a:effectLst/>
-        </p:spPr>
-      </p:cxnSp>
-      <p:cxnSp>
-        <p:nvCxnSpPr>
-          <p:cNvPr id="98" name="直接箭头连接符 97">
-            <a:extLst>
-              <a:ext uri="{FF2B5EF4-FFF2-40B4-BE49-F238E27FC236}">
-                <a16:creationId xmlns:a16="http://schemas.microsoft.com/office/drawing/2014/main" id="{7457BAB1-DC1F-38CF-0996-02BF1AA91708}"/>
-              </a:ext>
-            </a:extLst>
-          </p:cNvPr>
-          <p:cNvCxnSpPr>
-            <a:cxnSpLocks/>
-            <a:stCxn id="15" idx="2"/>
-          </p:cNvCxnSpPr>
-          <p:nvPr/>
-        </p:nvCxnSpPr>
-        <p:spPr>
-          <a:xfrm flipH="1">
-            <a:off x="4620264" y="8893688"/>
-            <a:ext cx="1" cy="191820"/>
-          </a:xfrm>
-          <a:prstGeom prst="straightConnector1">
-            <a:avLst/>
-          </a:prstGeom>
-          <a:noFill/>
-          <a:ln w="12700" cap="flat" cmpd="sng" algn="ctr">
-            <a:solidFill>
-              <a:srgbClr val="000000"/>
-            </a:solidFill>
-            <a:prstDash val="solid"/>
-            <a:miter lim="800000"/>
-            <a:tailEnd type="triangle"/>
-          </a:ln>
-          <a:effectLst/>
-        </p:spPr>
-      </p:cxnSp>
-      <p:sp>
-        <p:nvSpPr>
-          <p:cNvPr id="107" name="文本框 106">
-            <a:extLst>
-              <a:ext uri="{FF2B5EF4-FFF2-40B4-BE49-F238E27FC236}">
-                <a16:creationId xmlns:a16="http://schemas.microsoft.com/office/drawing/2014/main" id="{0FC50338-C719-E632-AC5A-9C59E0597759}"/>
-              </a:ext>
-            </a:extLst>
-          </p:cNvPr>
-          <p:cNvSpPr txBox="1"/>
-          <p:nvPr/>
-        </p:nvSpPr>
-        <p:spPr>
-          <a:xfrm>
-            <a:off x="4223622" y="8901065"/>
-            <a:ext cx="382298" cy="261610"/>
-          </a:xfrm>
-          <a:prstGeom prst="rect">
-            <a:avLst/>
-          </a:prstGeom>
-          <a:noFill/>
-        </p:spPr>
-        <p:txBody>
-          <a:bodyPr wrap="square">
-            <a:spAutoFit/>
-          </a:bodyPr>
+          <a:ln w="9525">
+            <a:noFill/>
+          </a:ln>
+        </p:spPr>
+        <p:style>
+          <a:lnRef idx="2">
+            <a:schemeClr val="accent2">
+              <a:shade val="15000"/>
+            </a:schemeClr>
+          </a:lnRef>
+          <a:fillRef idx="1">
+            <a:schemeClr val="accent2"/>
+          </a:fillRef>
+          <a:effectRef idx="0">
+            <a:schemeClr val="accent2"/>
+          </a:effectRef>
+          <a:fontRef idx="minor">
+            <a:schemeClr val="lt1"/>
+          </a:fontRef>
+        </p:style>
+        <p:txBody>
+          <a:bodyPr rtlCol="0" anchor="ctr"/>
           <a:lstStyle/>
           <a:p>
             <a:pPr algn="ctr"/>
             <a:r>
-              <a:rPr lang="en-US" altLang="zh-CN" sz="1100" b="1" dirty="0">
+              <a:rPr lang="en-US" altLang="zh-CN" sz="800" dirty="0" err="1">
+                <a:solidFill>
+                  <a:schemeClr val="tx1"/>
+                </a:solidFill>
                 <a:latin typeface="Arial" panose="020B0604020202020204" pitchFamily="34" charset="0"/>
                 <a:cs typeface="Arial" panose="020B0604020202020204" pitchFamily="34" charset="0"/>
               </a:rPr>
-              <a:t>P5</a:t>
-            </a:r>
-            <a:endParaRPr lang="zh-CN" altLang="en-US" sz="1100" b="1" dirty="0">
-              <a:latin typeface="Arial" panose="020B0604020202020204" pitchFamily="34" charset="0"/>
-              <a:cs typeface="Arial" panose="020B0604020202020204" pitchFamily="34" charset="0"/>
-            </a:endParaRPr>
-          </a:p>
-        </p:txBody>
-      </p:sp>
-      <p:sp>
-        <p:nvSpPr>
-          <p:cNvPr id="796" name="文本框 795">
-            <a:extLst>
-              <a:ext uri="{FF2B5EF4-FFF2-40B4-BE49-F238E27FC236}">
-                <a16:creationId xmlns:a16="http://schemas.microsoft.com/office/drawing/2014/main" id="{E3D51335-92C1-F06D-A6E9-530E49AB52AA}"/>
-              </a:ext>
-            </a:extLst>
-          </p:cNvPr>
-          <p:cNvSpPr txBox="1"/>
-          <p:nvPr/>
-        </p:nvSpPr>
-        <p:spPr>
-          <a:xfrm>
-            <a:off x="4264566" y="7496161"/>
-            <a:ext cx="382298" cy="261610"/>
-          </a:xfrm>
-          <a:prstGeom prst="rect">
-            <a:avLst/>
-          </a:prstGeom>
-          <a:noFill/>
-        </p:spPr>
-        <p:txBody>
-          <a:bodyPr wrap="square">
-            <a:spAutoFit/>
-          </a:bodyPr>
-          <a:lstStyle/>
-          <a:p>
-            <a:pPr algn="ctr"/>
-            <a:r>
-              <a:rPr lang="en-US" altLang="zh-CN" sz="1100" b="1" dirty="0">
-                <a:latin typeface="Arial" panose="020B0604020202020204" pitchFamily="34" charset="0"/>
-                <a:cs typeface="Arial" panose="020B0604020202020204" pitchFamily="34" charset="0"/>
-              </a:rPr>
-              <a:t>P4</a:t>
-            </a:r>
-            <a:endParaRPr lang="zh-CN" altLang="en-US" sz="1100" b="1" dirty="0">
-              <a:latin typeface="Arial" panose="020B0604020202020204" pitchFamily="34" charset="0"/>
-              <a:cs typeface="Arial" panose="020B0604020202020204" pitchFamily="34" charset="0"/>
-            </a:endParaRPr>
-          </a:p>
-        </p:txBody>
-      </p:sp>
-      <p:sp>
-        <p:nvSpPr>
-          <p:cNvPr id="797" name="文本框 796">
-            <a:extLst>
-              <a:ext uri="{FF2B5EF4-FFF2-40B4-BE49-F238E27FC236}">
-                <a16:creationId xmlns:a16="http://schemas.microsoft.com/office/drawing/2014/main" id="{D9368E07-07B7-3439-A73F-BF290D4B12E9}"/>
-              </a:ext>
-            </a:extLst>
-          </p:cNvPr>
-          <p:cNvSpPr txBox="1"/>
-          <p:nvPr/>
-        </p:nvSpPr>
-        <p:spPr>
-          <a:xfrm>
-            <a:off x="4269419" y="6765486"/>
-            <a:ext cx="382298" cy="261610"/>
-          </a:xfrm>
-          <a:prstGeom prst="rect">
-            <a:avLst/>
-          </a:prstGeom>
-          <a:noFill/>
-        </p:spPr>
-        <p:txBody>
-          <a:bodyPr wrap="square">
-            <a:spAutoFit/>
-          </a:bodyPr>
-          <a:lstStyle/>
-          <a:p>
-            <a:pPr algn="ctr"/>
-            <a:r>
-              <a:rPr lang="en-US" altLang="zh-CN" sz="1100" b="1" dirty="0">
-                <a:latin typeface="Arial" panose="020B0604020202020204" pitchFamily="34" charset="0"/>
-                <a:cs typeface="Arial" panose="020B0604020202020204" pitchFamily="34" charset="0"/>
-              </a:rPr>
-              <a:t>P3</a:t>
-            </a:r>
-            <a:endParaRPr lang="zh-CN" altLang="en-US" sz="1100" b="1" dirty="0">
-              <a:latin typeface="Arial" panose="020B0604020202020204" pitchFamily="34" charset="0"/>
-              <a:cs typeface="Arial" panose="020B0604020202020204" pitchFamily="34" charset="0"/>
-            </a:endParaRPr>
-          </a:p>
-        </p:txBody>
-      </p:sp>
-      <p:sp>
-        <p:nvSpPr>
-          <p:cNvPr id="802" name="文本框 801">
-            <a:extLst>
-              <a:ext uri="{FF2B5EF4-FFF2-40B4-BE49-F238E27FC236}">
-                <a16:creationId xmlns:a16="http://schemas.microsoft.com/office/drawing/2014/main" id="{0745C3C2-F6E5-9CA4-5C6F-D4EC48441891}"/>
-              </a:ext>
-            </a:extLst>
-          </p:cNvPr>
-          <p:cNvSpPr txBox="1"/>
-          <p:nvPr/>
-        </p:nvSpPr>
-        <p:spPr>
-          <a:xfrm>
-            <a:off x="6838434" y="6533867"/>
-            <a:ext cx="382298" cy="261610"/>
-          </a:xfrm>
-          <a:prstGeom prst="rect">
-            <a:avLst/>
-          </a:prstGeom>
-          <a:noFill/>
-          <a:ln>
-            <a:solidFill>
-              <a:srgbClr val="4472C4"/>
-            </a:solidFill>
-          </a:ln>
-        </p:spPr>
-        <p:txBody>
-          <a:bodyPr wrap="square">
-            <a:spAutoFit/>
-          </a:bodyPr>
-          <a:lstStyle/>
-          <a:p>
-            <a:pPr algn="ctr"/>
-            <a:r>
-              <a:rPr lang="en-US" altLang="zh-CN" sz="1100" b="1" dirty="0">
-                <a:latin typeface="Arial" panose="020B0604020202020204" pitchFamily="34" charset="0"/>
-                <a:cs typeface="Arial" panose="020B0604020202020204" pitchFamily="34" charset="0"/>
-              </a:rPr>
-              <a:t>P3</a:t>
-            </a:r>
-            <a:endParaRPr lang="zh-CN" altLang="en-US" sz="1100" b="1" dirty="0">
-              <a:latin typeface="Arial" panose="020B0604020202020204" pitchFamily="34" charset="0"/>
-              <a:cs typeface="Arial" panose="020B0604020202020204" pitchFamily="34" charset="0"/>
-            </a:endParaRPr>
-          </a:p>
-        </p:txBody>
-      </p:sp>
-      <p:cxnSp>
-        <p:nvCxnSpPr>
-          <p:cNvPr id="810" name="直接箭头连接符 809">
-            <a:extLst>
-              <a:ext uri="{FF2B5EF4-FFF2-40B4-BE49-F238E27FC236}">
-                <a16:creationId xmlns:a16="http://schemas.microsoft.com/office/drawing/2014/main" id="{68827C16-5C86-7AE8-3A39-647114667358}"/>
-              </a:ext>
-            </a:extLst>
-          </p:cNvPr>
-          <p:cNvCxnSpPr>
-            <a:cxnSpLocks/>
-            <a:stCxn id="811" idx="3"/>
-          </p:cNvCxnSpPr>
-          <p:nvPr/>
-        </p:nvCxnSpPr>
-        <p:spPr>
-          <a:xfrm flipV="1">
-            <a:off x="7211517" y="8030624"/>
-            <a:ext cx="357895" cy="413"/>
-          </a:xfrm>
-          <a:prstGeom prst="straightConnector1">
-            <a:avLst/>
-          </a:prstGeom>
-          <a:noFill/>
-          <a:ln w="12700" cap="flat" cmpd="sng" algn="ctr">
-            <a:solidFill>
-              <a:srgbClr val="000000"/>
-            </a:solidFill>
-            <a:prstDash val="solid"/>
-            <a:miter lim="800000"/>
-            <a:tailEnd type="triangle"/>
-          </a:ln>
-          <a:effectLst/>
-        </p:spPr>
-      </p:cxnSp>
-      <p:sp>
-        <p:nvSpPr>
-          <p:cNvPr id="811" name="文本框 810">
-            <a:extLst>
-              <a:ext uri="{FF2B5EF4-FFF2-40B4-BE49-F238E27FC236}">
-                <a16:creationId xmlns:a16="http://schemas.microsoft.com/office/drawing/2014/main" id="{859F1CBF-9674-EB63-0294-93FE9DFE3181}"/>
-              </a:ext>
-            </a:extLst>
-          </p:cNvPr>
-          <p:cNvSpPr txBox="1"/>
-          <p:nvPr/>
-        </p:nvSpPr>
-        <p:spPr>
-          <a:xfrm>
-            <a:off x="6829219" y="7900232"/>
-            <a:ext cx="382298" cy="261610"/>
-          </a:xfrm>
-          <a:prstGeom prst="rect">
-            <a:avLst/>
-          </a:prstGeom>
-          <a:noFill/>
-          <a:ln>
-            <a:solidFill>
-              <a:srgbClr val="4472C4"/>
-            </a:solidFill>
-          </a:ln>
-        </p:spPr>
-        <p:txBody>
-          <a:bodyPr wrap="square">
-            <a:spAutoFit/>
-          </a:bodyPr>
-          <a:lstStyle/>
-          <a:p>
-            <a:pPr algn="ctr"/>
-            <a:r>
-              <a:rPr lang="en-US" altLang="zh-CN" sz="1100" b="1" dirty="0">
-                <a:latin typeface="Arial" panose="020B0604020202020204" pitchFamily="34" charset="0"/>
-                <a:cs typeface="Arial" panose="020B0604020202020204" pitchFamily="34" charset="0"/>
-              </a:rPr>
-              <a:t>P4</a:t>
-            </a:r>
-            <a:endParaRPr lang="zh-CN" altLang="en-US" sz="1100" b="1" dirty="0">
-              <a:latin typeface="Arial" panose="020B0604020202020204" pitchFamily="34" charset="0"/>
-              <a:cs typeface="Arial" panose="020B0604020202020204" pitchFamily="34" charset="0"/>
-            </a:endParaRPr>
-          </a:p>
-        </p:txBody>
-      </p:sp>
-      <p:sp>
-        <p:nvSpPr>
-          <p:cNvPr id="828" name="文本框 827">
-            <a:extLst>
-              <a:ext uri="{FF2B5EF4-FFF2-40B4-BE49-F238E27FC236}">
-                <a16:creationId xmlns:a16="http://schemas.microsoft.com/office/drawing/2014/main" id="{5E421AB4-A0B2-24A7-6FDF-FF710ECA3C94}"/>
-              </a:ext>
-            </a:extLst>
-          </p:cNvPr>
-          <p:cNvSpPr txBox="1"/>
-          <p:nvPr/>
-        </p:nvSpPr>
-        <p:spPr>
-          <a:xfrm>
-            <a:off x="4627703" y="8943724"/>
-            <a:ext cx="417008" cy="215444"/>
-          </a:xfrm>
-          <a:prstGeom prst="rect">
-            <a:avLst/>
-          </a:prstGeom>
-          <a:noFill/>
-        </p:spPr>
-        <p:txBody>
-          <a:bodyPr wrap="square">
-            <a:spAutoFit/>
-          </a:bodyPr>
-          <a:lstStyle/>
-          <a:p>
-            <a:pPr defTabSz="914400"/>
-            <a:r>
-              <a:rPr lang="en-US" altLang="zh-CN" sz="800" kern="100" spc="20" dirty="0">
-                <a:solidFill>
-                  <a:srgbClr val="000000"/>
-                </a:solidFill>
-                <a:latin typeface="Arial" panose="020B0604020202020204" pitchFamily="34" charset="0"/>
-                <a:ea typeface="方正书宋_GBK"/>
-                <a:cs typeface="Arial" panose="020B0604020202020204" pitchFamily="34" charset="0"/>
-              </a:rPr>
-              <a:t>32 X</a:t>
+              <a:t>DWConv</a:t>
             </a:r>
             <a:endParaRPr lang="zh-CN" altLang="en-US" sz="800" dirty="0">
               <a:solidFill>
-                <a:srgbClr val="000000"/>
+                <a:schemeClr val="tx1"/>
               </a:solidFill>
               <a:latin typeface="Arial" panose="020B0604020202020204" pitchFamily="34" charset="0"/>
               <a:cs typeface="Arial" panose="020B0604020202020204" pitchFamily="34" charset="0"/>
@@ -15508,47 +16473,55 @@
       </p:sp>
       <p:sp>
         <p:nvSpPr>
-          <p:cNvPr id="1024" name="文本框 1023">
-            <a:extLst>
-              <a:ext uri="{FF2B5EF4-FFF2-40B4-BE49-F238E27FC236}">
-                <a16:creationId xmlns:a16="http://schemas.microsoft.com/office/drawing/2014/main" id="{BF15628E-E7DC-98FD-6A44-DBB393B307BC}"/>
-              </a:ext>
-            </a:extLst>
-          </p:cNvPr>
-          <p:cNvSpPr txBox="1"/>
-          <p:nvPr/>
-        </p:nvSpPr>
-        <p:spPr>
-          <a:xfrm>
-            <a:off x="4708627" y="7523866"/>
-            <a:ext cx="417008" cy="215444"/>
+          <p:cNvPr id="742" name="矩形 741">
+            <a:extLst>
+              <a:ext uri="{FF2B5EF4-FFF2-40B4-BE49-F238E27FC236}">
+                <a16:creationId xmlns:a16="http://schemas.microsoft.com/office/drawing/2014/main" id="{8906B526-235B-6ADC-B9C2-8190E362FE33}"/>
+              </a:ext>
+            </a:extLst>
+          </p:cNvPr>
+          <p:cNvSpPr/>
+          <p:nvPr/>
+        </p:nvSpPr>
+        <p:spPr>
+          <a:xfrm>
+            <a:off x="8295216" y="4101520"/>
+            <a:ext cx="539185" cy="113950"/>
           </a:xfrm>
           <a:prstGeom prst="rect">
             <a:avLst/>
           </a:prstGeom>
           <a:noFill/>
-        </p:spPr>
-        <p:txBody>
-          <a:bodyPr wrap="square">
-            <a:spAutoFit/>
-          </a:bodyPr>
-          <a:lstStyle/>
-          <a:p>
-            <a:pPr defTabSz="914400"/>
-            <a:r>
-              <a:rPr lang="en-US" altLang="zh-CN" sz="800" kern="100" spc="20" dirty="0">
-                <a:solidFill>
-                  <a:srgbClr val="000000"/>
-                </a:solidFill>
-                <a:latin typeface="Arial" panose="020B0604020202020204" pitchFamily="34" charset="0"/>
-                <a:ea typeface="方正书宋_GBK"/>
-                <a:cs typeface="Arial" panose="020B0604020202020204" pitchFamily="34" charset="0"/>
-              </a:rPr>
-              <a:t>16 X</a:t>
-            </a:r>
+          <a:ln w="9525">
+            <a:solidFill>
+              <a:schemeClr val="tx1"/>
+            </a:solidFill>
+          </a:ln>
+        </p:spPr>
+        <p:style>
+          <a:lnRef idx="2">
+            <a:schemeClr val="accent2">
+              <a:shade val="15000"/>
+            </a:schemeClr>
+          </a:lnRef>
+          <a:fillRef idx="1">
+            <a:schemeClr val="accent2"/>
+          </a:fillRef>
+          <a:effectRef idx="0">
+            <a:schemeClr val="accent2"/>
+          </a:effectRef>
+          <a:fontRef idx="minor">
+            <a:schemeClr val="lt1"/>
+          </a:fontRef>
+        </p:style>
+        <p:txBody>
+          <a:bodyPr rtlCol="0" anchor="ctr"/>
+          <a:lstStyle/>
+          <a:p>
+            <a:pPr algn="ctr"/>
             <a:endParaRPr lang="zh-CN" altLang="en-US" sz="800" dirty="0">
               <a:solidFill>
-                <a:srgbClr val="000000"/>
+                <a:schemeClr val="tx1"/>
               </a:solidFill>
               <a:latin typeface="Arial" panose="020B0604020202020204" pitchFamily="34" charset="0"/>
               <a:cs typeface="Arial" panose="020B0604020202020204" pitchFamily="34" charset="0"/>
@@ -15556,786 +16529,52 @@
           </a:p>
         </p:txBody>
       </p:sp>
-      <p:sp>
-        <p:nvSpPr>
-          <p:cNvPr id="1025" name="文本框 1024">
-            <a:extLst>
-              <a:ext uri="{FF2B5EF4-FFF2-40B4-BE49-F238E27FC236}">
-                <a16:creationId xmlns:a16="http://schemas.microsoft.com/office/drawing/2014/main" id="{3DF3235F-5667-18FC-6716-5AEAB61EE369}"/>
-              </a:ext>
-            </a:extLst>
-          </p:cNvPr>
-          <p:cNvSpPr txBox="1"/>
-          <p:nvPr/>
-        </p:nvSpPr>
-        <p:spPr>
-          <a:xfrm>
-            <a:off x="4716093" y="6772696"/>
-            <a:ext cx="417008" cy="215444"/>
-          </a:xfrm>
-          <a:prstGeom prst="rect">
-            <a:avLst/>
-          </a:prstGeom>
-          <a:noFill/>
-        </p:spPr>
-        <p:txBody>
-          <a:bodyPr wrap="square">
-            <a:spAutoFit/>
-          </a:bodyPr>
-          <a:lstStyle/>
-          <a:p>
-            <a:pPr defTabSz="914400"/>
-            <a:r>
-              <a:rPr lang="en-US" altLang="zh-CN" sz="800" kern="100" spc="20" dirty="0">
-                <a:solidFill>
-                  <a:srgbClr val="000000"/>
-                </a:solidFill>
-                <a:latin typeface="Arial" panose="020B0604020202020204" pitchFamily="34" charset="0"/>
-                <a:ea typeface="方正书宋_GBK"/>
-                <a:cs typeface="Arial" panose="020B0604020202020204" pitchFamily="34" charset="0"/>
-              </a:rPr>
-              <a:t>8 X</a:t>
-            </a:r>
-            <a:endParaRPr lang="zh-CN" altLang="en-US" sz="800" dirty="0">
-              <a:solidFill>
-                <a:srgbClr val="000000"/>
-              </a:solidFill>
-              <a:latin typeface="Arial" panose="020B0604020202020204" pitchFamily="34" charset="0"/>
-              <a:cs typeface="Arial" panose="020B0604020202020204" pitchFamily="34" charset="0"/>
-            </a:endParaRPr>
-          </a:p>
-        </p:txBody>
-      </p:sp>
-      <p:sp>
-        <p:nvSpPr>
-          <p:cNvPr id="1028" name="文本框 1027">
-            <a:extLst>
-              <a:ext uri="{FF2B5EF4-FFF2-40B4-BE49-F238E27FC236}">
-                <a16:creationId xmlns:a16="http://schemas.microsoft.com/office/drawing/2014/main" id="{8441B840-2E1B-ECFB-0294-20D507853E7A}"/>
-              </a:ext>
-            </a:extLst>
-          </p:cNvPr>
-          <p:cNvSpPr txBox="1"/>
-          <p:nvPr/>
-        </p:nvSpPr>
-        <p:spPr>
-          <a:xfrm>
-            <a:off x="6831825" y="8694888"/>
-            <a:ext cx="382298" cy="261610"/>
-          </a:xfrm>
-          <a:prstGeom prst="rect">
-            <a:avLst/>
-          </a:prstGeom>
-          <a:noFill/>
-          <a:ln>
-            <a:solidFill>
-              <a:srgbClr val="4472C4"/>
-            </a:solidFill>
-          </a:ln>
-        </p:spPr>
-        <p:txBody>
-          <a:bodyPr wrap="square">
-            <a:spAutoFit/>
-          </a:bodyPr>
-          <a:lstStyle/>
-          <a:p>
-            <a:pPr algn="ctr"/>
-            <a:r>
-              <a:rPr lang="en-US" altLang="zh-CN" sz="1100" b="1" dirty="0">
-                <a:latin typeface="Arial" panose="020B0604020202020204" pitchFamily="34" charset="0"/>
-                <a:cs typeface="Arial" panose="020B0604020202020204" pitchFamily="34" charset="0"/>
-              </a:rPr>
-              <a:t>P5</a:t>
-            </a:r>
-            <a:endParaRPr lang="zh-CN" altLang="en-US" sz="1100" b="1" dirty="0">
-              <a:latin typeface="Arial" panose="020B0604020202020204" pitchFamily="34" charset="0"/>
-              <a:cs typeface="Arial" panose="020B0604020202020204" pitchFamily="34" charset="0"/>
-            </a:endParaRPr>
-          </a:p>
-        </p:txBody>
-      </p:sp>
       <p:cxnSp>
         <p:nvCxnSpPr>
-          <p:cNvPr id="1033" name="肘形连接符 225">
-            <a:extLst>
-              <a:ext uri="{FF2B5EF4-FFF2-40B4-BE49-F238E27FC236}">
-                <a16:creationId xmlns:a16="http://schemas.microsoft.com/office/drawing/2014/main" id="{7196DB65-0008-44CD-B68D-E20983F67146}"/>
+          <p:cNvPr id="761" name="直接箭头连接符 760">
+            <a:extLst>
+              <a:ext uri="{FF2B5EF4-FFF2-40B4-BE49-F238E27FC236}">
+                <a16:creationId xmlns:a16="http://schemas.microsoft.com/office/drawing/2014/main" id="{A87B1EA6-AF86-8783-006C-02874C0E06FD}"/>
               </a:ext>
             </a:extLst>
           </p:cNvPr>
           <p:cNvCxnSpPr>
             <a:cxnSpLocks/>
-            <a:stCxn id="1028" idx="3"/>
-            <a:endCxn id="54" idx="1"/>
+            <a:stCxn id="742" idx="0"/>
+            <a:endCxn id="123" idx="2"/>
           </p:cNvCxnSpPr>
           <p:nvPr/>
         </p:nvCxnSpPr>
         <p:spPr>
           <a:xfrm flipV="1">
-            <a:off x="7214123" y="8419032"/>
-            <a:ext cx="1499767" cy="406661"/>
-          </a:xfrm>
-          <a:prstGeom prst="bentConnector3">
-            <a:avLst>
-              <a:gd name="adj1" fmla="val 87090"/>
-            </a:avLst>
-          </a:prstGeom>
-          <a:noFill/>
-          <a:ln w="9525" cap="flat" cmpd="sng">
+            <a:off x="8564809" y="3979863"/>
+            <a:ext cx="1771" cy="121657"/>
+          </a:xfrm>
+          <a:prstGeom prst="straightConnector1">
+            <a:avLst/>
+          </a:prstGeom>
+          <a:ln w="9525">
             <a:solidFill>
               <a:schemeClr val="tx1"/>
             </a:solidFill>
-            <a:prstDash val="solid"/>
-            <a:round/>
-            <a:headEnd type="none" w="med" len="med"/>
-            <a:tailEnd type="triangle" w="med" len="med"/>
-          </a:ln>
-        </p:spPr>
+            <a:tailEnd type="triangle"/>
+          </a:ln>
+        </p:spPr>
+        <p:style>
+          <a:lnRef idx="1">
+            <a:schemeClr val="accent1"/>
+          </a:lnRef>
+          <a:fillRef idx="0">
+            <a:schemeClr val="accent1"/>
+          </a:fillRef>
+          <a:effectRef idx="0">
+            <a:schemeClr val="accent1"/>
+          </a:effectRef>
+          <a:fontRef idx="minor">
+            <a:schemeClr val="tx1"/>
+          </a:fontRef>
+        </p:style>
       </p:cxnSp>
-      <p:cxnSp>
-        <p:nvCxnSpPr>
-          <p:cNvPr id="1037" name="肘形连接符 225">
-            <a:extLst>
-              <a:ext uri="{FF2B5EF4-FFF2-40B4-BE49-F238E27FC236}">
-                <a16:creationId xmlns:a16="http://schemas.microsoft.com/office/drawing/2014/main" id="{D98C8C02-18F9-CF13-AF88-CDCBF7BDA6EC}"/>
-              </a:ext>
-            </a:extLst>
-          </p:cNvPr>
-          <p:cNvCxnSpPr>
-            <a:cxnSpLocks/>
-            <a:stCxn id="1028" idx="0"/>
-            <a:endCxn id="59" idx="1"/>
-          </p:cNvCxnSpPr>
-          <p:nvPr/>
-        </p:nvCxnSpPr>
-        <p:spPr>
-          <a:xfrm rot="5400000" flipH="1" flipV="1">
-            <a:off x="7162761" y="8279023"/>
-            <a:ext cx="276078" cy="555653"/>
-          </a:xfrm>
-          <a:prstGeom prst="bentConnector2">
-            <a:avLst/>
-          </a:prstGeom>
-          <a:noFill/>
-          <a:ln w="9525" cap="flat" cmpd="sng">
-            <a:solidFill>
-              <a:schemeClr val="tx1"/>
-            </a:solidFill>
-            <a:prstDash val="solid"/>
-            <a:round/>
-            <a:headEnd type="none" w="med" len="med"/>
-            <a:tailEnd type="triangle" w="med" len="med"/>
-          </a:ln>
-        </p:spPr>
-      </p:cxnSp>
-      <p:sp>
-        <p:nvSpPr>
-          <p:cNvPr id="1042" name="文本框 1041">
-            <a:extLst>
-              <a:ext uri="{FF2B5EF4-FFF2-40B4-BE49-F238E27FC236}">
-                <a16:creationId xmlns:a16="http://schemas.microsoft.com/office/drawing/2014/main" id="{6B84C37B-6B97-60C4-A35A-460A563BE47A}"/>
-              </a:ext>
-            </a:extLst>
-          </p:cNvPr>
-          <p:cNvSpPr txBox="1"/>
-          <p:nvPr/>
-        </p:nvSpPr>
-        <p:spPr>
-          <a:xfrm>
-            <a:off x="-193586" y="1669303"/>
-            <a:ext cx="16179622" cy="1182375"/>
-          </a:xfrm>
-          <a:prstGeom prst="rect">
-            <a:avLst/>
-          </a:prstGeom>
-          <a:noFill/>
-        </p:spPr>
-        <p:txBody>
-          <a:bodyPr wrap="square">
-            <a:spAutoFit/>
-          </a:bodyPr>
-          <a:lstStyle/>
-          <a:p>
-            <a:pPr algn="ctr">
-              <a:lnSpc>
-                <a:spcPts val="2000"/>
-              </a:lnSpc>
-              <a:spcAft>
-                <a:spcPts val="1200"/>
-              </a:spcAft>
-              <a:buNone/>
-            </a:pPr>
-            <a:r>
-              <a:rPr lang="en-US" altLang="zh-CN" sz="2800" dirty="0">
-                <a:effectLst/>
-                <a:latin typeface="Times New Roman" panose="02020603050405020304" pitchFamily="18" charset="0"/>
-                <a:ea typeface="宋体" panose="02010600030101010101" pitchFamily="2" charset="-122"/>
-              </a:rPr>
-              <a:t>YOLOv11-RGBT: Towards a Comprehensive Single-Stage Multispectral Object Detection Framework</a:t>
-            </a:r>
-            <a:endParaRPr lang="zh-CN" altLang="zh-CN" sz="2800" dirty="0">
-              <a:effectLst/>
-              <a:latin typeface="Times New Roman" panose="02020603050405020304" pitchFamily="18" charset="0"/>
-              <a:ea typeface="宋体" panose="02010600030101010101" pitchFamily="2" charset="-122"/>
-            </a:endParaRPr>
-          </a:p>
-          <a:p>
-            <a:pPr algn="ctr">
-              <a:lnSpc>
-                <a:spcPts val="1500"/>
-              </a:lnSpc>
-              <a:spcAft>
-                <a:spcPts val="800"/>
-              </a:spcAft>
-              <a:buNone/>
-            </a:pPr>
-            <a:r>
-              <a:rPr lang="en-US" altLang="zh-CN" sz="1800" dirty="0">
-                <a:solidFill>
-                  <a:srgbClr val="000000"/>
-                </a:solidFill>
-                <a:effectLst/>
-                <a:latin typeface="Times New Roman" panose="02020603050405020304" pitchFamily="18" charset="0"/>
-                <a:ea typeface="宋体" panose="02010600030101010101" pitchFamily="2" charset="-122"/>
-              </a:rPr>
-              <a:t>Dahang Wan</a:t>
-            </a:r>
-            <a:r>
-              <a:rPr lang="en-GB" altLang="zh-CN" sz="1100" baseline="30000" dirty="0" err="1">
-                <a:solidFill>
-                  <a:srgbClr val="000000"/>
-                </a:solidFill>
-                <a:effectLst/>
-                <a:latin typeface="Times New Roman" panose="02020603050405020304" pitchFamily="18" charset="0"/>
-                <a:ea typeface="宋体" panose="02010600030101010101" pitchFamily="2" charset="-122"/>
-              </a:rPr>
-              <a:t>a,b</a:t>
-            </a:r>
-            <a:r>
-              <a:rPr lang="en-US" altLang="zh-CN" sz="1800" dirty="0">
-                <a:solidFill>
-                  <a:srgbClr val="000000"/>
-                </a:solidFill>
-                <a:effectLst/>
-                <a:latin typeface="Times New Roman" panose="02020603050405020304" pitchFamily="18" charset="0"/>
-                <a:ea typeface="宋体" panose="02010600030101010101" pitchFamily="2" charset="-122"/>
-              </a:rPr>
-              <a:t>, </a:t>
-            </a:r>
-            <a:r>
-              <a:rPr lang="en-US" altLang="zh-CN" sz="1800" dirty="0" err="1">
-                <a:solidFill>
-                  <a:srgbClr val="000000"/>
-                </a:solidFill>
-                <a:effectLst/>
-                <a:latin typeface="Times New Roman" panose="02020603050405020304" pitchFamily="18" charset="0"/>
-                <a:ea typeface="宋体" panose="02010600030101010101" pitchFamily="2" charset="-122"/>
-              </a:rPr>
-              <a:t>Rongsheng</a:t>
-            </a:r>
-            <a:r>
-              <a:rPr lang="en-US" altLang="zh-CN" sz="1800" dirty="0">
-                <a:solidFill>
-                  <a:srgbClr val="000000"/>
-                </a:solidFill>
-                <a:effectLst/>
-                <a:latin typeface="Times New Roman" panose="02020603050405020304" pitchFamily="18" charset="0"/>
-                <a:ea typeface="宋体" panose="02010600030101010101" pitchFamily="2" charset="-122"/>
-              </a:rPr>
-              <a:t> Lu</a:t>
-            </a:r>
-            <a:r>
-              <a:rPr lang="en-GB" altLang="zh-CN" sz="1100" baseline="30000" dirty="0" err="1">
-                <a:solidFill>
-                  <a:srgbClr val="000000"/>
-                </a:solidFill>
-                <a:effectLst/>
-                <a:latin typeface="Times New Roman" panose="02020603050405020304" pitchFamily="18" charset="0"/>
-                <a:ea typeface="宋体" panose="02010600030101010101" pitchFamily="2" charset="-122"/>
-              </a:rPr>
-              <a:t>a,b</a:t>
-            </a:r>
-            <a:r>
-              <a:rPr lang="en-US" altLang="zh-CN" sz="1800" dirty="0">
-                <a:solidFill>
-                  <a:srgbClr val="000000"/>
-                </a:solidFill>
-                <a:effectLst/>
-                <a:latin typeface="Times New Roman" panose="02020603050405020304" pitchFamily="18" charset="0"/>
-                <a:ea typeface="宋体" panose="02010600030101010101" pitchFamily="2" charset="-122"/>
-              </a:rPr>
-              <a:t>*, Yang Fang</a:t>
-            </a:r>
-            <a:r>
-              <a:rPr lang="en-GB" altLang="zh-CN" sz="1100" baseline="30000" dirty="0" err="1">
-                <a:solidFill>
-                  <a:srgbClr val="000000"/>
-                </a:solidFill>
-                <a:effectLst/>
-                <a:latin typeface="Times New Roman" panose="02020603050405020304" pitchFamily="18" charset="0"/>
-                <a:ea typeface="宋体" panose="02010600030101010101" pitchFamily="2" charset="-122"/>
-              </a:rPr>
-              <a:t>a,b</a:t>
-            </a:r>
-            <a:r>
-              <a:rPr lang="en-US" altLang="zh-CN" sz="1800" dirty="0">
-                <a:solidFill>
-                  <a:srgbClr val="000000"/>
-                </a:solidFill>
-                <a:effectLst/>
-                <a:latin typeface="Times New Roman" panose="02020603050405020304" pitchFamily="18" charset="0"/>
-                <a:ea typeface="宋体" panose="02010600030101010101" pitchFamily="2" charset="-122"/>
-              </a:rPr>
-              <a:t>, </a:t>
-            </a:r>
-            <a:r>
-              <a:rPr lang="en-US" altLang="zh-CN" sz="1800" dirty="0" err="1">
-                <a:solidFill>
-                  <a:srgbClr val="000000"/>
-                </a:solidFill>
-                <a:effectLst/>
-                <a:latin typeface="Times New Roman" panose="02020603050405020304" pitchFamily="18" charset="0"/>
-                <a:ea typeface="宋体" panose="02010600030101010101" pitchFamily="2" charset="-122"/>
-              </a:rPr>
-              <a:t>Xianli</a:t>
-            </a:r>
-            <a:r>
-              <a:rPr lang="en-US" altLang="zh-CN" sz="1800" dirty="0">
-                <a:solidFill>
-                  <a:srgbClr val="000000"/>
-                </a:solidFill>
-                <a:effectLst/>
-                <a:latin typeface="Times New Roman" panose="02020603050405020304" pitchFamily="18" charset="0"/>
-                <a:ea typeface="宋体" panose="02010600030101010101" pitchFamily="2" charset="-122"/>
-              </a:rPr>
-              <a:t> Lang</a:t>
-            </a:r>
-            <a:r>
-              <a:rPr lang="en-US" altLang="zh-CN" sz="1100" baseline="30000" dirty="0">
-                <a:solidFill>
-                  <a:srgbClr val="000000"/>
-                </a:solidFill>
-                <a:effectLst/>
-                <a:latin typeface="Times New Roman" panose="02020603050405020304" pitchFamily="18" charset="0"/>
-                <a:ea typeface="宋体" panose="02010600030101010101" pitchFamily="2" charset="-122"/>
-              </a:rPr>
-              <a:t> </a:t>
-            </a:r>
-            <a:r>
-              <a:rPr lang="en-GB" altLang="zh-CN" sz="1100" baseline="30000" dirty="0" err="1">
-                <a:solidFill>
-                  <a:srgbClr val="000000"/>
-                </a:solidFill>
-                <a:effectLst/>
-                <a:latin typeface="Times New Roman" panose="02020603050405020304" pitchFamily="18" charset="0"/>
-                <a:ea typeface="宋体" panose="02010600030101010101" pitchFamily="2" charset="-122"/>
-              </a:rPr>
-              <a:t>a,b</a:t>
-            </a:r>
-            <a:r>
-              <a:rPr lang="en-US" altLang="zh-CN" sz="1800" dirty="0">
-                <a:solidFill>
-                  <a:srgbClr val="000000"/>
-                </a:solidFill>
-                <a:effectLst/>
-                <a:latin typeface="Times New Roman" panose="02020603050405020304" pitchFamily="18" charset="0"/>
-                <a:ea typeface="宋体" panose="02010600030101010101" pitchFamily="2" charset="-122"/>
-              </a:rPr>
-              <a:t>, </a:t>
-            </a:r>
-            <a:r>
-              <a:rPr lang="en-US" altLang="zh-CN" sz="1100" baseline="30000" dirty="0">
-                <a:solidFill>
-                  <a:srgbClr val="000000"/>
-                </a:solidFill>
-                <a:effectLst/>
-                <a:latin typeface="Times New Roman" panose="02020603050405020304" pitchFamily="18" charset="0"/>
-                <a:ea typeface="宋体" panose="02010600030101010101" pitchFamily="2" charset="-122"/>
-              </a:rPr>
-              <a:t> </a:t>
-            </a:r>
-            <a:r>
-              <a:rPr lang="en-US" altLang="zh-CN" sz="1800" dirty="0" err="1">
-                <a:solidFill>
-                  <a:srgbClr val="000000"/>
-                </a:solidFill>
-                <a:effectLst/>
-                <a:latin typeface="Times New Roman" panose="02020603050405020304" pitchFamily="18" charset="0"/>
-                <a:ea typeface="宋体" panose="02010600030101010101" pitchFamily="2" charset="-122"/>
-              </a:rPr>
-              <a:t>Shuangbao</a:t>
-            </a:r>
-            <a:r>
-              <a:rPr lang="en-US" altLang="zh-CN" sz="1800" dirty="0">
-                <a:solidFill>
-                  <a:srgbClr val="000000"/>
-                </a:solidFill>
-                <a:effectLst/>
-                <a:latin typeface="Times New Roman" panose="02020603050405020304" pitchFamily="18" charset="0"/>
-                <a:ea typeface="宋体" panose="02010600030101010101" pitchFamily="2" charset="-122"/>
-              </a:rPr>
-              <a:t> Shu</a:t>
-            </a:r>
-            <a:r>
-              <a:rPr lang="en-GB" altLang="zh-CN" sz="1100" baseline="30000" dirty="0" err="1">
-                <a:solidFill>
-                  <a:srgbClr val="000000"/>
-                </a:solidFill>
-                <a:effectLst/>
-                <a:latin typeface="Times New Roman" panose="02020603050405020304" pitchFamily="18" charset="0"/>
-                <a:ea typeface="宋体" panose="02010600030101010101" pitchFamily="2" charset="-122"/>
-              </a:rPr>
-              <a:t>a,b</a:t>
-            </a:r>
-            <a:r>
-              <a:rPr lang="en-US" altLang="zh-CN" sz="1800" dirty="0">
-                <a:solidFill>
-                  <a:srgbClr val="000000"/>
-                </a:solidFill>
-                <a:effectLst/>
-                <a:latin typeface="Times New Roman" panose="02020603050405020304" pitchFamily="18" charset="0"/>
-                <a:ea typeface="宋体" panose="02010600030101010101" pitchFamily="2" charset="-122"/>
-              </a:rPr>
-              <a:t>, Jingjing Chen</a:t>
-            </a:r>
-            <a:r>
-              <a:rPr lang="en-GB" altLang="zh-CN" sz="1100" baseline="30000" dirty="0" err="1">
-                <a:solidFill>
-                  <a:srgbClr val="000000"/>
-                </a:solidFill>
-                <a:effectLst/>
-                <a:latin typeface="Times New Roman" panose="02020603050405020304" pitchFamily="18" charset="0"/>
-                <a:ea typeface="宋体" panose="02010600030101010101" pitchFamily="2" charset="-122"/>
-              </a:rPr>
-              <a:t>a,b</a:t>
-            </a:r>
-            <a:r>
-              <a:rPr lang="en-US" altLang="zh-CN" sz="1800" dirty="0">
-                <a:solidFill>
-                  <a:srgbClr val="000000"/>
-                </a:solidFill>
-                <a:effectLst/>
-                <a:latin typeface="Times New Roman" panose="02020603050405020304" pitchFamily="18" charset="0"/>
-                <a:ea typeface="宋体" panose="02010600030101010101" pitchFamily="2" charset="-122"/>
-              </a:rPr>
-              <a:t>, Siyuan Shen</a:t>
-            </a:r>
-            <a:r>
-              <a:rPr lang="en-GB" altLang="zh-CN" sz="1100" baseline="30000" dirty="0" err="1">
-                <a:solidFill>
-                  <a:srgbClr val="000000"/>
-                </a:solidFill>
-                <a:effectLst/>
-                <a:latin typeface="Times New Roman" panose="02020603050405020304" pitchFamily="18" charset="0"/>
-                <a:ea typeface="宋体" panose="02010600030101010101" pitchFamily="2" charset="-122"/>
-              </a:rPr>
-              <a:t>a,b</a:t>
-            </a:r>
-            <a:r>
-              <a:rPr lang="en-US" altLang="zh-CN" sz="1800" dirty="0">
-                <a:solidFill>
-                  <a:srgbClr val="000000"/>
-                </a:solidFill>
-                <a:effectLst/>
-                <a:latin typeface="Times New Roman" panose="02020603050405020304" pitchFamily="18" charset="0"/>
-                <a:ea typeface="宋体" panose="02010600030101010101" pitchFamily="2" charset="-122"/>
-              </a:rPr>
-              <a:t>, Ting Xu</a:t>
-            </a:r>
-            <a:r>
-              <a:rPr lang="en-GB" altLang="zh-CN" sz="1100" baseline="30000" dirty="0" err="1">
-                <a:solidFill>
-                  <a:srgbClr val="000000"/>
-                </a:solidFill>
-                <a:effectLst/>
-                <a:latin typeface="Times New Roman" panose="02020603050405020304" pitchFamily="18" charset="0"/>
-                <a:ea typeface="宋体" panose="02010600030101010101" pitchFamily="2" charset="-122"/>
-              </a:rPr>
-              <a:t>a,b</a:t>
-            </a:r>
-            <a:r>
-              <a:rPr lang="en-US" altLang="zh-CN" sz="1800" dirty="0">
-                <a:solidFill>
-                  <a:srgbClr val="000000"/>
-                </a:solidFill>
-                <a:effectLst/>
-                <a:latin typeface="Times New Roman" panose="02020603050405020304" pitchFamily="18" charset="0"/>
-                <a:ea typeface="宋体" panose="02010600030101010101" pitchFamily="2" charset="-122"/>
-              </a:rPr>
-              <a:t>, </a:t>
-            </a:r>
-            <a:r>
-              <a:rPr lang="en-US" altLang="zh-CN" sz="1800" dirty="0" err="1">
-                <a:solidFill>
-                  <a:srgbClr val="000000"/>
-                </a:solidFill>
-                <a:effectLst/>
-                <a:latin typeface="Times New Roman" panose="02020603050405020304" pitchFamily="18" charset="0"/>
-                <a:ea typeface="宋体" panose="02010600030101010101" pitchFamily="2" charset="-122"/>
-              </a:rPr>
-              <a:t>Zecong</a:t>
-            </a:r>
-            <a:r>
-              <a:rPr lang="en-US" altLang="zh-CN" sz="1800" dirty="0">
-                <a:solidFill>
-                  <a:srgbClr val="000000"/>
-                </a:solidFill>
-                <a:effectLst/>
-                <a:latin typeface="Times New Roman" panose="02020603050405020304" pitchFamily="18" charset="0"/>
-                <a:ea typeface="宋体" panose="02010600030101010101" pitchFamily="2" charset="-122"/>
-              </a:rPr>
-              <a:t> Ye</a:t>
-            </a:r>
-            <a:r>
-              <a:rPr lang="en-GB" altLang="zh-CN" sz="1100" baseline="30000" dirty="0">
-                <a:solidFill>
-                  <a:srgbClr val="000000"/>
-                </a:solidFill>
-                <a:effectLst/>
-                <a:latin typeface="Times New Roman" panose="02020603050405020304" pitchFamily="18" charset="0"/>
-                <a:ea typeface="宋体" panose="02010600030101010101" pitchFamily="2" charset="-122"/>
-              </a:rPr>
-              <a:t>c</a:t>
-            </a:r>
-            <a:endParaRPr lang="zh-CN" altLang="zh-CN" sz="2000" dirty="0">
-              <a:effectLst/>
-              <a:latin typeface="Times New Roman" panose="02020603050405020304" pitchFamily="18" charset="0"/>
-              <a:ea typeface="宋体" panose="02010600030101010101" pitchFamily="2" charset="-122"/>
-            </a:endParaRPr>
-          </a:p>
-          <a:p>
-            <a:pPr algn="ctr">
-              <a:lnSpc>
-                <a:spcPts val="1000"/>
-              </a:lnSpc>
-              <a:buNone/>
-            </a:pPr>
-            <a:r>
-              <a:rPr lang="en-GB" altLang="zh-CN" sz="1100" i="1" baseline="30000" dirty="0">
-                <a:solidFill>
-                  <a:srgbClr val="000000"/>
-                </a:solidFill>
-                <a:effectLst/>
-                <a:latin typeface="Times New Roman" panose="02020603050405020304" pitchFamily="18" charset="0"/>
-                <a:ea typeface="宋体" panose="02010600030101010101" pitchFamily="2" charset="-122"/>
-              </a:rPr>
-              <a:t>a</a:t>
-            </a:r>
-            <a:r>
-              <a:rPr lang="en-US" altLang="zh-CN" sz="1050" i="1" dirty="0">
-                <a:solidFill>
-                  <a:srgbClr val="000000"/>
-                </a:solidFill>
-                <a:effectLst/>
-                <a:latin typeface="Times New Roman" panose="02020603050405020304" pitchFamily="18" charset="0"/>
-                <a:ea typeface="宋体" panose="02010600030101010101" pitchFamily="2" charset="-122"/>
-              </a:rPr>
-              <a:t>School of Instrument Science and Opto-electronics Engineering, Hefei University of Technology, Hefei 230009, China</a:t>
-            </a:r>
-            <a:endParaRPr lang="zh-CN" altLang="zh-CN" sz="1050" i="1" dirty="0">
-              <a:effectLst/>
-              <a:latin typeface="Times New Roman" panose="02020603050405020304" pitchFamily="18" charset="0"/>
-              <a:ea typeface="宋体" panose="02010600030101010101" pitchFamily="2" charset="-122"/>
-            </a:endParaRPr>
-          </a:p>
-          <a:p>
-            <a:pPr algn="ctr">
-              <a:lnSpc>
-                <a:spcPts val="1000"/>
-              </a:lnSpc>
-              <a:buNone/>
-            </a:pPr>
-            <a:r>
-              <a:rPr lang="en-GB" altLang="zh-CN" sz="1100" i="1" baseline="30000" dirty="0">
-                <a:solidFill>
-                  <a:srgbClr val="000000"/>
-                </a:solidFill>
-                <a:effectLst/>
-                <a:latin typeface="Times New Roman" panose="02020603050405020304" pitchFamily="18" charset="0"/>
-                <a:ea typeface="宋体" panose="02010600030101010101" pitchFamily="2" charset="-122"/>
-              </a:rPr>
-              <a:t>b</a:t>
-            </a:r>
-            <a:r>
-              <a:rPr lang="en-US" altLang="zh-CN" sz="1050" i="1" dirty="0">
-                <a:solidFill>
-                  <a:srgbClr val="000000"/>
-                </a:solidFill>
-                <a:effectLst/>
-                <a:latin typeface="Times New Roman" panose="02020603050405020304" pitchFamily="18" charset="0"/>
-                <a:ea typeface="宋体" panose="02010600030101010101" pitchFamily="2" charset="-122"/>
-              </a:rPr>
-              <a:t>Anhui Province Key Laboratory of Measuring Theory and Precision Instrument, Hefei University of Technology, Hefei 230009, China</a:t>
-            </a:r>
-            <a:endParaRPr lang="zh-CN" altLang="zh-CN" sz="1050" i="1" dirty="0">
-              <a:effectLst/>
-              <a:latin typeface="Times New Roman" panose="02020603050405020304" pitchFamily="18" charset="0"/>
-              <a:ea typeface="宋体" panose="02010600030101010101" pitchFamily="2" charset="-122"/>
-            </a:endParaRPr>
-          </a:p>
-          <a:p>
-            <a:pPr algn="ctr">
-              <a:lnSpc>
-                <a:spcPts val="1000"/>
-              </a:lnSpc>
-            </a:pPr>
-            <a:r>
-              <a:rPr lang="en-GB" altLang="zh-CN" sz="1100" i="1" baseline="30000" dirty="0" err="1">
-                <a:solidFill>
-                  <a:srgbClr val="000000"/>
-                </a:solidFill>
-                <a:effectLst/>
-                <a:latin typeface="Times New Roman" panose="02020603050405020304" pitchFamily="18" charset="0"/>
-                <a:ea typeface="宋体" panose="02010600030101010101" pitchFamily="2" charset="-122"/>
-              </a:rPr>
-              <a:t>c</a:t>
-            </a:r>
-            <a:r>
-              <a:rPr lang="en-GB" altLang="zh-CN" sz="1050" i="1" dirty="0" err="1">
-                <a:solidFill>
-                  <a:srgbClr val="000000"/>
-                </a:solidFill>
-                <a:effectLst/>
-                <a:latin typeface="Times New Roman" panose="02020603050405020304" pitchFamily="18" charset="0"/>
-                <a:ea typeface="宋体" panose="02010600030101010101" pitchFamily="2" charset="-122"/>
-              </a:rPr>
-              <a:t>School</a:t>
-            </a:r>
-            <a:r>
-              <a:rPr lang="en-GB" altLang="zh-CN" sz="1050" i="1" dirty="0">
-                <a:solidFill>
-                  <a:srgbClr val="000000"/>
-                </a:solidFill>
-                <a:effectLst/>
-                <a:latin typeface="Times New Roman" panose="02020603050405020304" pitchFamily="18" charset="0"/>
-                <a:ea typeface="宋体" panose="02010600030101010101" pitchFamily="2" charset="-122"/>
-              </a:rPr>
-              <a:t> of Information Engineering, Engineering University of PAP, Xi’an 710086, China</a:t>
-            </a:r>
-            <a:endParaRPr lang="zh-CN" altLang="zh-CN" sz="1050" i="1" dirty="0">
-              <a:effectLst/>
-              <a:latin typeface="Times New Roman" panose="02020603050405020304" pitchFamily="18" charset="0"/>
-              <a:ea typeface="宋体" panose="02010600030101010101" pitchFamily="2" charset="-122"/>
-            </a:endParaRPr>
-          </a:p>
-        </p:txBody>
-      </p:sp>
-      <p:sp>
-        <p:nvSpPr>
-          <p:cNvPr id="1044" name="文本框 1043">
-            <a:extLst>
-              <a:ext uri="{FF2B5EF4-FFF2-40B4-BE49-F238E27FC236}">
-                <a16:creationId xmlns:a16="http://schemas.microsoft.com/office/drawing/2014/main" id="{48E56558-0A57-53C3-FB08-9B6EA820308F}"/>
-              </a:ext>
-            </a:extLst>
-          </p:cNvPr>
-          <p:cNvSpPr txBox="1"/>
-          <p:nvPr/>
-        </p:nvSpPr>
-        <p:spPr>
-          <a:xfrm>
-            <a:off x="4204072" y="9924747"/>
-            <a:ext cx="8084456" cy="369332"/>
-          </a:xfrm>
-          <a:prstGeom prst="rect">
-            <a:avLst/>
-          </a:prstGeom>
-          <a:noFill/>
-        </p:spPr>
-        <p:txBody>
-          <a:bodyPr wrap="square">
-            <a:spAutoFit/>
-          </a:bodyPr>
-          <a:lstStyle/>
-          <a:p>
-            <a:r>
-              <a:rPr lang="zh-CN" altLang="en-US" b="0" i="0" dirty="0">
-                <a:solidFill>
-                  <a:srgbClr val="2D77E5"/>
-                </a:solidFill>
-                <a:effectLst/>
-                <a:latin typeface="Color Emoji"/>
-              </a:rPr>
-              <a:t>使用请注明来源：</a:t>
-            </a:r>
-            <a:r>
-              <a:rPr lang="en-US" altLang="zh-CN" b="0" i="0" dirty="0">
-                <a:solidFill>
-                  <a:srgbClr val="2D77E5"/>
-                </a:solidFill>
-                <a:effectLst/>
-                <a:latin typeface="Color Emoji"/>
-              </a:rPr>
-              <a:t>https://github.com/wandahangFY/YOLOv11-RGBT</a:t>
-            </a:r>
-            <a:endParaRPr lang="zh-CN" altLang="en-US" dirty="0"/>
-          </a:p>
-        </p:txBody>
-      </p:sp>
-      <p:sp>
-        <p:nvSpPr>
-          <p:cNvPr id="1046" name="文本框 1045">
-            <a:extLst>
-              <a:ext uri="{FF2B5EF4-FFF2-40B4-BE49-F238E27FC236}">
-                <a16:creationId xmlns:a16="http://schemas.microsoft.com/office/drawing/2014/main" id="{CC129EDD-B66C-E329-0F13-8A07C88FACF5}"/>
-              </a:ext>
-            </a:extLst>
-          </p:cNvPr>
-          <p:cNvSpPr txBox="1"/>
-          <p:nvPr/>
-        </p:nvSpPr>
-        <p:spPr>
-          <a:xfrm>
-            <a:off x="4219008" y="10464766"/>
-            <a:ext cx="8086724" cy="465577"/>
-          </a:xfrm>
-          <a:prstGeom prst="rect">
-            <a:avLst/>
-          </a:prstGeom>
-          <a:noFill/>
-        </p:spPr>
-        <p:txBody>
-          <a:bodyPr wrap="square">
-            <a:spAutoFit/>
-          </a:bodyPr>
-          <a:lstStyle/>
-          <a:p>
-            <a:pPr algn="l">
-              <a:lnSpc>
-                <a:spcPct val="150000"/>
-              </a:lnSpc>
-            </a:pPr>
-            <a:r>
-              <a:rPr lang="en-US" altLang="zh-CN" sz="1800" kern="100" dirty="0">
-                <a:effectLst/>
-                <a:latin typeface="Palatino Linotype" panose="02040502050505030304" pitchFamily="18" charset="0"/>
-                <a:ea typeface="等线" panose="02010600030101010101" pitchFamily="2" charset="-122"/>
-                <a:cs typeface="Times New Roman" panose="02020603050405020304" pitchFamily="18" charset="0"/>
-              </a:rPr>
-              <a:t>Dahang Wan,  </a:t>
-            </a:r>
-            <a:r>
-              <a:rPr lang="en-US" altLang="zh-CN" sz="1800" u="sng" kern="100" dirty="0">
-                <a:solidFill>
-                  <a:srgbClr val="0563C1"/>
-                </a:solidFill>
-                <a:effectLst/>
-                <a:latin typeface="Palatino Linotype" panose="02040502050505030304" pitchFamily="18" charset="0"/>
-                <a:ea typeface="等线" panose="02010600030101010101" pitchFamily="2" charset="-122"/>
-                <a:cs typeface="Times New Roman" panose="02020603050405020304" pitchFamily="18" charset="0"/>
-                <a:hlinkClick r:id="rId6"/>
-              </a:rPr>
-              <a:t>wandahang@mail.hfut.edu.cn </a:t>
-            </a:r>
-            <a:endParaRPr lang="zh-CN" altLang="zh-CN" sz="1800" kern="100" dirty="0">
-              <a:effectLst/>
-              <a:latin typeface="等线" panose="02010600030101010101" pitchFamily="2" charset="-122"/>
-              <a:ea typeface="等线" panose="02010600030101010101" pitchFamily="2" charset="-122"/>
-              <a:cs typeface="Times New Roman" panose="02020603050405020304" pitchFamily="18" charset="0"/>
-            </a:endParaRPr>
-          </a:p>
-        </p:txBody>
-      </p:sp>
     </p:spTree>
     <p:extLst>
       <p:ext uri="{BB962C8B-B14F-4D97-AF65-F5344CB8AC3E}">
